--- a/LoggingLecture/presentation/Logging.pptx
+++ b/LoggingLecture/presentation/Logging.pptx
@@ -2,59 +2,52 @@
 <file path=ppt/presentation.xml><?xml version="1.0" encoding="utf-8"?>
 <p:presentation xmlns:a="http://schemas.openxmlformats.org/drawingml/2006/main" xmlns:r="http://schemas.openxmlformats.org/officeDocument/2006/relationships" xmlns:p="http://schemas.openxmlformats.org/presentationml/2006/main" saveSubsetFonts="1" autoCompressPictures="0">
   <p:sldMasterIdLst>
-    <p:sldMasterId id="2147483730" r:id="rId4"/>
+    <p:sldMasterId id="2147483730" r:id="rId5"/>
   </p:sldMasterIdLst>
   <p:notesMasterIdLst>
-    <p:notesMasterId r:id="rId49"/>
+    <p:notesMasterId r:id="rId43"/>
   </p:notesMasterIdLst>
   <p:handoutMasterIdLst>
-    <p:handoutMasterId r:id="rId50"/>
+    <p:handoutMasterId r:id="rId44"/>
   </p:handoutMasterIdLst>
   <p:sldIdLst>
-    <p:sldId id="448" r:id="rId5"/>
-    <p:sldId id="353" r:id="rId6"/>
-    <p:sldId id="471" r:id="rId7"/>
-    <p:sldId id="485" r:id="rId8"/>
-    <p:sldId id="487" r:id="rId9"/>
-    <p:sldId id="488" r:id="rId10"/>
-    <p:sldId id="489" r:id="rId11"/>
-    <p:sldId id="473" r:id="rId12"/>
-    <p:sldId id="486" r:id="rId13"/>
-    <p:sldId id="490" r:id="rId14"/>
-    <p:sldId id="492" r:id="rId15"/>
-    <p:sldId id="493" r:id="rId16"/>
-    <p:sldId id="494" r:id="rId17"/>
-    <p:sldId id="495" r:id="rId18"/>
-    <p:sldId id="496" r:id="rId19"/>
-    <p:sldId id="491" r:id="rId20"/>
-    <p:sldId id="497" r:id="rId21"/>
-    <p:sldId id="498" r:id="rId22"/>
-    <p:sldId id="514" r:id="rId23"/>
-    <p:sldId id="470" r:id="rId24"/>
-    <p:sldId id="506" r:id="rId25"/>
-    <p:sldId id="480" r:id="rId26"/>
-    <p:sldId id="522" r:id="rId27"/>
-    <p:sldId id="483" r:id="rId28"/>
-    <p:sldId id="475" r:id="rId29"/>
-    <p:sldId id="504" r:id="rId30"/>
-    <p:sldId id="509" r:id="rId31"/>
-    <p:sldId id="511" r:id="rId32"/>
-    <p:sldId id="482" r:id="rId33"/>
-    <p:sldId id="518" r:id="rId34"/>
-    <p:sldId id="519" r:id="rId35"/>
-    <p:sldId id="520" r:id="rId36"/>
-    <p:sldId id="521" r:id="rId37"/>
-    <p:sldId id="476" r:id="rId38"/>
-    <p:sldId id="526" r:id="rId39"/>
-    <p:sldId id="525" r:id="rId40"/>
-    <p:sldId id="515" r:id="rId41"/>
-    <p:sldId id="516" r:id="rId42"/>
-    <p:sldId id="517" r:id="rId43"/>
-    <p:sldId id="523" r:id="rId44"/>
-    <p:sldId id="524" r:id="rId45"/>
-    <p:sldId id="477" r:id="rId46"/>
-    <p:sldId id="505" r:id="rId47"/>
-    <p:sldId id="502" r:id="rId48"/>
+    <p:sldId id="448" r:id="rId6"/>
+    <p:sldId id="353" r:id="rId7"/>
+    <p:sldId id="471" r:id="rId8"/>
+    <p:sldId id="485" r:id="rId9"/>
+    <p:sldId id="487" r:id="rId10"/>
+    <p:sldId id="488" r:id="rId11"/>
+    <p:sldId id="489" r:id="rId12"/>
+    <p:sldId id="473" r:id="rId13"/>
+    <p:sldId id="486" r:id="rId14"/>
+    <p:sldId id="490" r:id="rId15"/>
+    <p:sldId id="492" r:id="rId16"/>
+    <p:sldId id="493" r:id="rId17"/>
+    <p:sldId id="494" r:id="rId18"/>
+    <p:sldId id="495" r:id="rId19"/>
+    <p:sldId id="496" r:id="rId20"/>
+    <p:sldId id="491" r:id="rId21"/>
+    <p:sldId id="497" r:id="rId22"/>
+    <p:sldId id="498" r:id="rId23"/>
+    <p:sldId id="514" r:id="rId24"/>
+    <p:sldId id="470" r:id="rId25"/>
+    <p:sldId id="506" r:id="rId26"/>
+    <p:sldId id="480" r:id="rId27"/>
+    <p:sldId id="522" r:id="rId28"/>
+    <p:sldId id="483" r:id="rId29"/>
+    <p:sldId id="475" r:id="rId30"/>
+    <p:sldId id="504" r:id="rId31"/>
+    <p:sldId id="509" r:id="rId32"/>
+    <p:sldId id="511" r:id="rId33"/>
+    <p:sldId id="482" r:id="rId34"/>
+    <p:sldId id="525" r:id="rId35"/>
+    <p:sldId id="515" r:id="rId36"/>
+    <p:sldId id="516" r:id="rId37"/>
+    <p:sldId id="517" r:id="rId38"/>
+    <p:sldId id="524" r:id="rId39"/>
+    <p:sldId id="477" r:id="rId40"/>
+    <p:sldId id="505" r:id="rId41"/>
+    <p:sldId id="502" r:id="rId42"/>
   </p:sldIdLst>
   <p:sldSz cx="9144000" cy="5143500" type="screen16x9"/>
   <p:notesSz cx="6858000" cy="9144000"/>
@@ -155,7 +148,7 @@
   </p:defaultTextStyle>
   <p:extLst>
     <p:ext uri="{EFAFB233-063F-42B5-8137-9DF3F51BA10A}">
-      <p15:sldGuideLst xmlns:p15="http://schemas.microsoft.com/office/powerpoint/2012/main">
+      <p15:sldGuideLst xmlns:p15="http://schemas.microsoft.com/office/powerpoint/2012/main" xmlns="">
         <p15:guide id="1" orient="horz" pos="373" userDrawn="1">
           <p15:clr>
             <a:srgbClr val="A4A3A4"/>
@@ -296,7 +289,7 @@
           <a:p>
             <a:fld id="{7F5E9BF7-95E4-A242-BA1D-05FDCF603BE6}" type="datetime1">
               <a:rPr lang="en-US" smtClean="0"/>
-              <a:t>1/20/2017</a:t>
+              <a:t>7/31/2017</a:t>
             </a:fld>
             <a:endParaRPr lang="en-US"/>
           </a:p>
@@ -462,7 +455,7 @@
           <a:p>
             <a:fld id="{165DBCB1-0306-AD41-9452-11E7C08D5C04}" type="datetime1">
               <a:rPr lang="en-US" smtClean="0"/>
-              <a:t>1/20/2017</a:t>
+              <a:t>7/31/2017</a:t>
             </a:fld>
             <a:endParaRPr lang="en-US"/>
           </a:p>
@@ -2895,12 +2888,7 @@
             <p:ph type="sldImg"/>
           </p:nvPr>
         </p:nvSpPr>
-        <p:spPr>
-          <a:xfrm>
-            <a:off x="381000" y="685800"/>
-            <a:ext cx="6096000" cy="3429000"/>
-          </a:xfrm>
-        </p:spPr>
+        <p:spPr/>
       </p:sp>
       <p:sp>
         <p:nvSpPr>
@@ -2917,24 +2905,7 @@
           <a:bodyPr/>
           <a:lstStyle/>
           <a:p>
-            <a:pPr marL="0" marR="0" indent="0" algn="l" defTabSz="914400" rtl="0" eaLnBrk="1" fontAlgn="auto" latinLnBrk="0" hangingPunct="1">
-              <a:lnSpc>
-                <a:spcPct val="100000"/>
-              </a:lnSpc>
-              <a:spcBef>
-                <a:spcPts val="0"/>
-              </a:spcBef>
-              <a:spcAft>
-                <a:spcPts val="0"/>
-              </a:spcAft>
-              <a:buClrTx/>
-              <a:buSzTx/>
-              <a:buFontTx/>
-              <a:buNone/>
-              <a:tabLst/>
-              <a:defRPr/>
-            </a:pPr>
-            <a:endParaRPr lang="en-US" dirty="0"/>
+            <a:endParaRPr lang="en-US"/>
           </a:p>
         </p:txBody>
       </p:sp>
@@ -2964,7 +2935,7 @@
     </p:spTree>
     <p:extLst>
       <p:ext uri="{BB962C8B-B14F-4D97-AF65-F5344CB8AC3E}">
-        <p14:creationId xmlns:p14="http://schemas.microsoft.com/office/powerpoint/2010/main" val="2406941759"/>
+        <p14:creationId xmlns:p14="http://schemas.microsoft.com/office/powerpoint/2010/main" val="1495939655"/>
       </p:ext>
     </p:extLst>
   </p:cSld>
@@ -3154,7 +3125,7 @@
     </p:spTree>
     <p:extLst>
       <p:ext uri="{BB962C8B-B14F-4D97-AF65-F5344CB8AC3E}">
-        <p14:creationId xmlns:p14="http://schemas.microsoft.com/office/powerpoint/2010/main" val="2613569789"/>
+        <p14:creationId xmlns:p14="http://schemas.microsoft.com/office/powerpoint/2010/main" val="1790952208"/>
       </p:ext>
     </p:extLst>
   </p:cSld>
@@ -3191,7 +3162,12 @@
             <p:ph type="sldImg"/>
           </p:nvPr>
         </p:nvSpPr>
-        <p:spPr/>
+        <p:spPr>
+          <a:xfrm>
+            <a:off x="381000" y="685800"/>
+            <a:ext cx="6096000" cy="3429000"/>
+          </a:xfrm>
+        </p:spPr>
       </p:sp>
       <p:sp>
         <p:nvSpPr>
@@ -3208,6 +3184,23 @@
           <a:bodyPr/>
           <a:lstStyle/>
           <a:p>
+            <a:pPr marL="0" marR="0" indent="0" algn="l" defTabSz="914400" rtl="0" eaLnBrk="1" fontAlgn="auto" latinLnBrk="0" hangingPunct="1">
+              <a:lnSpc>
+                <a:spcPct val="100000"/>
+              </a:lnSpc>
+              <a:spcBef>
+                <a:spcPts val="0"/>
+              </a:spcBef>
+              <a:spcAft>
+                <a:spcPts val="0"/>
+              </a:spcAft>
+              <a:buClrTx/>
+              <a:buSzTx/>
+              <a:buFontTx/>
+              <a:buNone/>
+              <a:tabLst/>
+              <a:defRPr/>
+            </a:pPr>
             <a:endParaRPr lang="en-US" dirty="0"/>
           </a:p>
         </p:txBody>
@@ -3229,7 +3222,7 @@
           <a:p>
             <a:fld id="{7AE90029-A909-AD4E-9775-A0D64990AD22}" type="slidenum">
               <a:rPr lang="en-US" smtClean="0"/>
-              <a:t>33</a:t>
+              <a:t>32</a:t>
             </a:fld>
             <a:endParaRPr lang="en-US"/>
           </a:p>
@@ -3238,7 +3231,7 @@
     </p:spTree>
     <p:extLst>
       <p:ext uri="{BB962C8B-B14F-4D97-AF65-F5344CB8AC3E}">
-        <p14:creationId xmlns:p14="http://schemas.microsoft.com/office/powerpoint/2010/main" val="3326421221"/>
+        <p14:creationId xmlns:p14="http://schemas.microsoft.com/office/powerpoint/2010/main" val="4176204345"/>
       </p:ext>
     </p:extLst>
   </p:cSld>
@@ -3275,7 +3268,12 @@
             <p:ph type="sldImg"/>
           </p:nvPr>
         </p:nvSpPr>
-        <p:spPr/>
+        <p:spPr>
+          <a:xfrm>
+            <a:off x="381000" y="685800"/>
+            <a:ext cx="6096000" cy="3429000"/>
+          </a:xfrm>
+        </p:spPr>
       </p:sp>
       <p:sp>
         <p:nvSpPr>
@@ -3292,7 +3290,24 @@
           <a:bodyPr/>
           <a:lstStyle/>
           <a:p>
-            <a:endParaRPr lang="en-US"/>
+            <a:pPr marL="0" marR="0" indent="0" algn="l" defTabSz="914400" rtl="0" eaLnBrk="1" fontAlgn="auto" latinLnBrk="0" hangingPunct="1">
+              <a:lnSpc>
+                <a:spcPct val="100000"/>
+              </a:lnSpc>
+              <a:spcBef>
+                <a:spcPts val="0"/>
+              </a:spcBef>
+              <a:spcAft>
+                <a:spcPts val="0"/>
+              </a:spcAft>
+              <a:buClrTx/>
+              <a:buSzTx/>
+              <a:buFontTx/>
+              <a:buNone/>
+              <a:tabLst/>
+              <a:defRPr/>
+            </a:pPr>
+            <a:endParaRPr lang="en-US" dirty="0"/>
           </a:p>
         </p:txBody>
       </p:sp>
@@ -3313,7 +3328,7 @@
           <a:p>
             <a:fld id="{7AE90029-A909-AD4E-9775-A0D64990AD22}" type="slidenum">
               <a:rPr lang="en-US" smtClean="0"/>
-              <a:t>34</a:t>
+              <a:t>33</a:t>
             </a:fld>
             <a:endParaRPr lang="en-US"/>
           </a:p>
@@ -3322,7 +3337,7 @@
     </p:spTree>
     <p:extLst>
       <p:ext uri="{BB962C8B-B14F-4D97-AF65-F5344CB8AC3E}">
-        <p14:creationId xmlns:p14="http://schemas.microsoft.com/office/powerpoint/2010/main" val="4092686825"/>
+        <p14:creationId xmlns:p14="http://schemas.microsoft.com/office/powerpoint/2010/main" val="3137594709"/>
       </p:ext>
     </p:extLst>
   </p:cSld>
@@ -3397,7 +3412,7 @@
           <a:p>
             <a:fld id="{7AE90029-A909-AD4E-9775-A0D64990AD22}" type="slidenum">
               <a:rPr lang="en-US" smtClean="0"/>
-              <a:t>36</a:t>
+              <a:t>35</a:t>
             </a:fld>
             <a:endParaRPr lang="en-US"/>
           </a:p>
@@ -3406,7 +3421,7 @@
     </p:spTree>
     <p:extLst>
       <p:ext uri="{BB962C8B-B14F-4D97-AF65-F5344CB8AC3E}">
-        <p14:creationId xmlns:p14="http://schemas.microsoft.com/office/powerpoint/2010/main" val="1495939655"/>
+        <p14:creationId xmlns:p14="http://schemas.microsoft.com/office/powerpoint/2010/main" val="1735908453"/>
       </p:ext>
     </p:extLst>
   </p:cSld>
@@ -3503,7 +3518,7 @@
           <a:p>
             <a:fld id="{7AE90029-A909-AD4E-9775-A0D64990AD22}" type="slidenum">
               <a:rPr lang="en-US" smtClean="0"/>
-              <a:t>37</a:t>
+              <a:t>36</a:t>
             </a:fld>
             <a:endParaRPr lang="en-US"/>
           </a:p>
@@ -3512,7 +3527,7 @@
     </p:spTree>
     <p:extLst>
       <p:ext uri="{BB962C8B-B14F-4D97-AF65-F5344CB8AC3E}">
-        <p14:creationId xmlns:p14="http://schemas.microsoft.com/office/powerpoint/2010/main" val="1790952208"/>
+        <p14:creationId xmlns:p14="http://schemas.microsoft.com/office/powerpoint/2010/main" val="1804215975"/>
       </p:ext>
     </p:extLst>
   </p:cSld>
@@ -3549,12 +3564,7 @@
             <p:ph type="sldImg"/>
           </p:nvPr>
         </p:nvSpPr>
-        <p:spPr>
-          <a:xfrm>
-            <a:off x="381000" y="685800"/>
-            <a:ext cx="6096000" cy="3429000"/>
-          </a:xfrm>
-        </p:spPr>
+        <p:spPr/>
       </p:sp>
       <p:sp>
         <p:nvSpPr>
@@ -3571,24 +3581,7 @@
           <a:bodyPr/>
           <a:lstStyle/>
           <a:p>
-            <a:pPr marL="0" marR="0" indent="0" algn="l" defTabSz="914400" rtl="0" eaLnBrk="1" fontAlgn="auto" latinLnBrk="0" hangingPunct="1">
-              <a:lnSpc>
-                <a:spcPct val="100000"/>
-              </a:lnSpc>
-              <a:spcBef>
-                <a:spcPts val="0"/>
-              </a:spcBef>
-              <a:spcAft>
-                <a:spcPts val="0"/>
-              </a:spcAft>
-              <a:buClrTx/>
-              <a:buSzTx/>
-              <a:buFontTx/>
-              <a:buNone/>
-              <a:tabLst/>
-              <a:defRPr/>
-            </a:pPr>
-            <a:endParaRPr lang="en-US" dirty="0"/>
+            <a:endParaRPr lang="en-US"/>
           </a:p>
         </p:txBody>
       </p:sp>
@@ -3609,7 +3602,7 @@
           <a:p>
             <a:fld id="{7AE90029-A909-AD4E-9775-A0D64990AD22}" type="slidenum">
               <a:rPr lang="en-US" smtClean="0"/>
-              <a:t>38</a:t>
+              <a:t>37</a:t>
             </a:fld>
             <a:endParaRPr lang="en-US"/>
           </a:p>
@@ -3618,409 +3611,7 @@
     </p:spTree>
     <p:extLst>
       <p:ext uri="{BB962C8B-B14F-4D97-AF65-F5344CB8AC3E}">
-        <p14:creationId xmlns:p14="http://schemas.microsoft.com/office/powerpoint/2010/main" val="4176204345"/>
-      </p:ext>
-    </p:extLst>
-  </p:cSld>
-  <p:clrMapOvr>
-    <a:masterClrMapping/>
-  </p:clrMapOvr>
-</p:notes>
-</file>
-
-<file path=ppt/notesSlides/notesSlide36.xml><?xml version="1.0" encoding="utf-8"?>
-<p:notes xmlns:a="http://schemas.openxmlformats.org/drawingml/2006/main" xmlns:r="http://schemas.openxmlformats.org/officeDocument/2006/relationships" xmlns:p="http://schemas.openxmlformats.org/presentationml/2006/main">
-  <p:cSld>
-    <p:spTree>
-      <p:nvGrpSpPr>
-        <p:cNvPr id="1" name=""/>
-        <p:cNvGrpSpPr/>
-        <p:nvPr/>
-      </p:nvGrpSpPr>
-      <p:grpSpPr>
-        <a:xfrm>
-          <a:off x="0" y="0"/>
-          <a:ext cx="0" cy="0"/>
-          <a:chOff x="0" y="0"/>
-          <a:chExt cx="0" cy="0"/>
-        </a:xfrm>
-      </p:grpSpPr>
-      <p:sp>
-        <p:nvSpPr>
-          <p:cNvPr id="2" name="Slide Image Placeholder 1"/>
-          <p:cNvSpPr>
-            <a:spLocks noGrp="1" noRot="1" noChangeAspect="1"/>
-          </p:cNvSpPr>
-          <p:nvPr>
-            <p:ph type="sldImg"/>
-          </p:nvPr>
-        </p:nvSpPr>
-        <p:spPr>
-          <a:xfrm>
-            <a:off x="381000" y="685800"/>
-            <a:ext cx="6096000" cy="3429000"/>
-          </a:xfrm>
-        </p:spPr>
-      </p:sp>
-      <p:sp>
-        <p:nvSpPr>
-          <p:cNvPr id="3" name="Notes Placeholder 2"/>
-          <p:cNvSpPr>
-            <a:spLocks noGrp="1"/>
-          </p:cNvSpPr>
-          <p:nvPr>
-            <p:ph type="body" idx="1"/>
-          </p:nvPr>
-        </p:nvSpPr>
-        <p:spPr/>
-        <p:txBody>
-          <a:bodyPr/>
-          <a:lstStyle/>
-          <a:p>
-            <a:pPr marL="0" marR="0" indent="0" algn="l" defTabSz="914400" rtl="0" eaLnBrk="1" fontAlgn="auto" latinLnBrk="0" hangingPunct="1">
-              <a:lnSpc>
-                <a:spcPct val="100000"/>
-              </a:lnSpc>
-              <a:spcBef>
-                <a:spcPts val="0"/>
-              </a:spcBef>
-              <a:spcAft>
-                <a:spcPts val="0"/>
-              </a:spcAft>
-              <a:buClrTx/>
-              <a:buSzTx/>
-              <a:buFontTx/>
-              <a:buNone/>
-              <a:tabLst/>
-              <a:defRPr/>
-            </a:pPr>
-            <a:endParaRPr lang="en-US" dirty="0"/>
-          </a:p>
-        </p:txBody>
-      </p:sp>
-      <p:sp>
-        <p:nvSpPr>
-          <p:cNvPr id="4" name="Slide Number Placeholder 3"/>
-          <p:cNvSpPr>
-            <a:spLocks noGrp="1"/>
-          </p:cNvSpPr>
-          <p:nvPr>
-            <p:ph type="sldNum" sz="quarter" idx="10"/>
-          </p:nvPr>
-        </p:nvSpPr>
-        <p:spPr/>
-        <p:txBody>
-          <a:bodyPr/>
-          <a:lstStyle/>
-          <a:p>
-            <a:fld id="{7AE90029-A909-AD4E-9775-A0D64990AD22}" type="slidenum">
-              <a:rPr lang="en-US" smtClean="0"/>
-              <a:t>39</a:t>
-            </a:fld>
-            <a:endParaRPr lang="en-US"/>
-          </a:p>
-        </p:txBody>
-      </p:sp>
-    </p:spTree>
-    <p:extLst>
-      <p:ext uri="{BB962C8B-B14F-4D97-AF65-F5344CB8AC3E}">
-        <p14:creationId xmlns:p14="http://schemas.microsoft.com/office/powerpoint/2010/main" val="3137594709"/>
-      </p:ext>
-    </p:extLst>
-  </p:cSld>
-  <p:clrMapOvr>
-    <a:masterClrMapping/>
-  </p:clrMapOvr>
-</p:notes>
-</file>
-
-<file path=ppt/notesSlides/notesSlide37.xml><?xml version="1.0" encoding="utf-8"?>
-<p:notes xmlns:a="http://schemas.openxmlformats.org/drawingml/2006/main" xmlns:r="http://schemas.openxmlformats.org/officeDocument/2006/relationships" xmlns:p="http://schemas.openxmlformats.org/presentationml/2006/main">
-  <p:cSld>
-    <p:spTree>
-      <p:nvGrpSpPr>
-        <p:cNvPr id="1" name=""/>
-        <p:cNvGrpSpPr/>
-        <p:nvPr/>
-      </p:nvGrpSpPr>
-      <p:grpSpPr>
-        <a:xfrm>
-          <a:off x="0" y="0"/>
-          <a:ext cx="0" cy="0"/>
-          <a:chOff x="0" y="0"/>
-          <a:chExt cx="0" cy="0"/>
-        </a:xfrm>
-      </p:grpSpPr>
-      <p:sp>
-        <p:nvSpPr>
-          <p:cNvPr id="2" name="Slide Image Placeholder 1"/>
-          <p:cNvSpPr>
-            <a:spLocks noGrp="1" noRot="1" noChangeAspect="1"/>
-          </p:cNvSpPr>
-          <p:nvPr>
-            <p:ph type="sldImg"/>
-          </p:nvPr>
-        </p:nvSpPr>
-        <p:spPr>
-          <a:xfrm>
-            <a:off x="381000" y="685800"/>
-            <a:ext cx="6096000" cy="3429000"/>
-          </a:xfrm>
-        </p:spPr>
-      </p:sp>
-      <p:sp>
-        <p:nvSpPr>
-          <p:cNvPr id="3" name="Notes Placeholder 2"/>
-          <p:cNvSpPr>
-            <a:spLocks noGrp="1"/>
-          </p:cNvSpPr>
-          <p:nvPr>
-            <p:ph type="body" idx="1"/>
-          </p:nvPr>
-        </p:nvSpPr>
-        <p:spPr/>
-        <p:txBody>
-          <a:bodyPr/>
-          <a:lstStyle/>
-          <a:p>
-            <a:pPr marL="0" marR="0" indent="0" algn="l" defTabSz="914400" rtl="0" eaLnBrk="1" fontAlgn="auto" latinLnBrk="0" hangingPunct="1">
-              <a:lnSpc>
-                <a:spcPct val="100000"/>
-              </a:lnSpc>
-              <a:spcBef>
-                <a:spcPts val="0"/>
-              </a:spcBef>
-              <a:spcAft>
-                <a:spcPts val="0"/>
-              </a:spcAft>
-              <a:buClrTx/>
-              <a:buSzTx/>
-              <a:buFontTx/>
-              <a:buNone/>
-              <a:tabLst/>
-              <a:defRPr/>
-            </a:pPr>
-            <a:endParaRPr lang="en-US" dirty="0"/>
-          </a:p>
-        </p:txBody>
-      </p:sp>
-      <p:sp>
-        <p:nvSpPr>
-          <p:cNvPr id="4" name="Slide Number Placeholder 3"/>
-          <p:cNvSpPr>
-            <a:spLocks noGrp="1"/>
-          </p:cNvSpPr>
-          <p:nvPr>
-            <p:ph type="sldNum" sz="quarter" idx="10"/>
-          </p:nvPr>
-        </p:nvSpPr>
-        <p:spPr/>
-        <p:txBody>
-          <a:bodyPr/>
-          <a:lstStyle/>
-          <a:p>
-            <a:fld id="{7AE90029-A909-AD4E-9775-A0D64990AD22}" type="slidenum">
-              <a:rPr lang="en-US" smtClean="0"/>
-              <a:t>40</a:t>
-            </a:fld>
-            <a:endParaRPr lang="en-US"/>
-          </a:p>
-        </p:txBody>
-      </p:sp>
-    </p:spTree>
-    <p:extLst>
-      <p:ext uri="{BB962C8B-B14F-4D97-AF65-F5344CB8AC3E}">
-        <p14:creationId xmlns:p14="http://schemas.microsoft.com/office/powerpoint/2010/main" val="2156842523"/>
-      </p:ext>
-    </p:extLst>
-  </p:cSld>
-  <p:clrMapOvr>
-    <a:masterClrMapping/>
-  </p:clrMapOvr>
-</p:notes>
-</file>
-
-<file path=ppt/notesSlides/notesSlide38.xml><?xml version="1.0" encoding="utf-8"?>
-<p:notes xmlns:a="http://schemas.openxmlformats.org/drawingml/2006/main" xmlns:r="http://schemas.openxmlformats.org/officeDocument/2006/relationships" xmlns:p="http://schemas.openxmlformats.org/presentationml/2006/main">
-  <p:cSld>
-    <p:spTree>
-      <p:nvGrpSpPr>
-        <p:cNvPr id="1" name=""/>
-        <p:cNvGrpSpPr/>
-        <p:nvPr/>
-      </p:nvGrpSpPr>
-      <p:grpSpPr>
-        <a:xfrm>
-          <a:off x="0" y="0"/>
-          <a:ext cx="0" cy="0"/>
-          <a:chOff x="0" y="0"/>
-          <a:chExt cx="0" cy="0"/>
-        </a:xfrm>
-      </p:grpSpPr>
-      <p:sp>
-        <p:nvSpPr>
-          <p:cNvPr id="2" name="Slide Image Placeholder 1"/>
-          <p:cNvSpPr>
-            <a:spLocks noGrp="1" noRot="1" noChangeAspect="1"/>
-          </p:cNvSpPr>
-          <p:nvPr>
-            <p:ph type="sldImg"/>
-          </p:nvPr>
-        </p:nvSpPr>
-        <p:spPr/>
-      </p:sp>
-      <p:sp>
-        <p:nvSpPr>
-          <p:cNvPr id="3" name="Notes Placeholder 2"/>
-          <p:cNvSpPr>
-            <a:spLocks noGrp="1"/>
-          </p:cNvSpPr>
-          <p:nvPr>
-            <p:ph type="body" idx="1"/>
-          </p:nvPr>
-        </p:nvSpPr>
-        <p:spPr/>
-        <p:txBody>
-          <a:bodyPr/>
-          <a:lstStyle/>
-          <a:p>
-            <a:endParaRPr lang="en-US"/>
-          </a:p>
-        </p:txBody>
-      </p:sp>
-      <p:sp>
-        <p:nvSpPr>
-          <p:cNvPr id="4" name="Slide Number Placeholder 3"/>
-          <p:cNvSpPr>
-            <a:spLocks noGrp="1"/>
-          </p:cNvSpPr>
-          <p:nvPr>
-            <p:ph type="sldNum" sz="quarter" idx="10"/>
-          </p:nvPr>
-        </p:nvSpPr>
-        <p:spPr/>
-        <p:txBody>
-          <a:bodyPr/>
-          <a:lstStyle/>
-          <a:p>
-            <a:fld id="{7AE90029-A909-AD4E-9775-A0D64990AD22}" type="slidenum">
-              <a:rPr lang="en-US" smtClean="0"/>
-              <a:t>42</a:t>
-            </a:fld>
-            <a:endParaRPr lang="en-US"/>
-          </a:p>
-        </p:txBody>
-      </p:sp>
-    </p:spTree>
-    <p:extLst>
-      <p:ext uri="{BB962C8B-B14F-4D97-AF65-F5344CB8AC3E}">
-        <p14:creationId xmlns:p14="http://schemas.microsoft.com/office/powerpoint/2010/main" val="1735908453"/>
-      </p:ext>
-    </p:extLst>
-  </p:cSld>
-  <p:clrMapOvr>
-    <a:masterClrMapping/>
-  </p:clrMapOvr>
-</p:notes>
-</file>
-
-<file path=ppt/notesSlides/notesSlide39.xml><?xml version="1.0" encoding="utf-8"?>
-<p:notes xmlns:a="http://schemas.openxmlformats.org/drawingml/2006/main" xmlns:r="http://schemas.openxmlformats.org/officeDocument/2006/relationships" xmlns:p="http://schemas.openxmlformats.org/presentationml/2006/main">
-  <p:cSld>
-    <p:spTree>
-      <p:nvGrpSpPr>
-        <p:cNvPr id="1" name=""/>
-        <p:cNvGrpSpPr/>
-        <p:nvPr/>
-      </p:nvGrpSpPr>
-      <p:grpSpPr>
-        <a:xfrm>
-          <a:off x="0" y="0"/>
-          <a:ext cx="0" cy="0"/>
-          <a:chOff x="0" y="0"/>
-          <a:chExt cx="0" cy="0"/>
-        </a:xfrm>
-      </p:grpSpPr>
-      <p:sp>
-        <p:nvSpPr>
-          <p:cNvPr id="2" name="Slide Image Placeholder 1"/>
-          <p:cNvSpPr>
-            <a:spLocks noGrp="1" noRot="1" noChangeAspect="1"/>
-          </p:cNvSpPr>
-          <p:nvPr>
-            <p:ph type="sldImg"/>
-          </p:nvPr>
-        </p:nvSpPr>
-        <p:spPr>
-          <a:xfrm>
-            <a:off x="381000" y="685800"/>
-            <a:ext cx="6096000" cy="3429000"/>
-          </a:xfrm>
-        </p:spPr>
-      </p:sp>
-      <p:sp>
-        <p:nvSpPr>
-          <p:cNvPr id="3" name="Notes Placeholder 2"/>
-          <p:cNvSpPr>
-            <a:spLocks noGrp="1"/>
-          </p:cNvSpPr>
-          <p:nvPr>
-            <p:ph type="body" idx="1"/>
-          </p:nvPr>
-        </p:nvSpPr>
-        <p:spPr/>
-        <p:txBody>
-          <a:bodyPr/>
-          <a:lstStyle/>
-          <a:p>
-            <a:pPr marL="0" marR="0" indent="0" algn="l" defTabSz="914400" rtl="0" eaLnBrk="1" fontAlgn="auto" latinLnBrk="0" hangingPunct="1">
-              <a:lnSpc>
-                <a:spcPct val="100000"/>
-              </a:lnSpc>
-              <a:spcBef>
-                <a:spcPts val="0"/>
-              </a:spcBef>
-              <a:spcAft>
-                <a:spcPts val="0"/>
-              </a:spcAft>
-              <a:buClrTx/>
-              <a:buSzTx/>
-              <a:buFontTx/>
-              <a:buNone/>
-              <a:tabLst/>
-              <a:defRPr/>
-            </a:pPr>
-            <a:endParaRPr lang="en-US" dirty="0"/>
-          </a:p>
-        </p:txBody>
-      </p:sp>
-      <p:sp>
-        <p:nvSpPr>
-          <p:cNvPr id="4" name="Slide Number Placeholder 3"/>
-          <p:cNvSpPr>
-            <a:spLocks noGrp="1"/>
-          </p:cNvSpPr>
-          <p:nvPr>
-            <p:ph type="sldNum" sz="quarter" idx="10"/>
-          </p:nvPr>
-        </p:nvSpPr>
-        <p:spPr/>
-        <p:txBody>
-          <a:bodyPr/>
-          <a:lstStyle/>
-          <a:p>
-            <a:fld id="{7AE90029-A909-AD4E-9775-A0D64990AD22}" type="slidenum">
-              <a:rPr lang="en-US" smtClean="0"/>
-              <a:t>43</a:t>
-            </a:fld>
-            <a:endParaRPr lang="en-US"/>
-          </a:p>
-        </p:txBody>
-      </p:sp>
-    </p:spTree>
-    <p:extLst>
-      <p:ext uri="{BB962C8B-B14F-4D97-AF65-F5344CB8AC3E}">
-        <p14:creationId xmlns:p14="http://schemas.microsoft.com/office/powerpoint/2010/main" val="1804215975"/>
+        <p14:creationId xmlns:p14="http://schemas.microsoft.com/office/powerpoint/2010/main" val="1036739369"/>
       </p:ext>
     </p:extLst>
   </p:cSld>
@@ -4127,90 +3718,6 @@
     <p:extLst>
       <p:ext uri="{BB962C8B-B14F-4D97-AF65-F5344CB8AC3E}">
         <p14:creationId xmlns:p14="http://schemas.microsoft.com/office/powerpoint/2010/main" val="3444634839"/>
-      </p:ext>
-    </p:extLst>
-  </p:cSld>
-  <p:clrMapOvr>
-    <a:masterClrMapping/>
-  </p:clrMapOvr>
-</p:notes>
-</file>
-
-<file path=ppt/notesSlides/notesSlide40.xml><?xml version="1.0" encoding="utf-8"?>
-<p:notes xmlns:a="http://schemas.openxmlformats.org/drawingml/2006/main" xmlns:r="http://schemas.openxmlformats.org/officeDocument/2006/relationships" xmlns:p="http://schemas.openxmlformats.org/presentationml/2006/main">
-  <p:cSld>
-    <p:spTree>
-      <p:nvGrpSpPr>
-        <p:cNvPr id="1" name=""/>
-        <p:cNvGrpSpPr/>
-        <p:nvPr/>
-      </p:nvGrpSpPr>
-      <p:grpSpPr>
-        <a:xfrm>
-          <a:off x="0" y="0"/>
-          <a:ext cx="0" cy="0"/>
-          <a:chOff x="0" y="0"/>
-          <a:chExt cx="0" cy="0"/>
-        </a:xfrm>
-      </p:grpSpPr>
-      <p:sp>
-        <p:nvSpPr>
-          <p:cNvPr id="2" name="Slide Image Placeholder 1"/>
-          <p:cNvSpPr>
-            <a:spLocks noGrp="1" noRot="1" noChangeAspect="1"/>
-          </p:cNvSpPr>
-          <p:nvPr>
-            <p:ph type="sldImg"/>
-          </p:nvPr>
-        </p:nvSpPr>
-        <p:spPr/>
-      </p:sp>
-      <p:sp>
-        <p:nvSpPr>
-          <p:cNvPr id="3" name="Notes Placeholder 2"/>
-          <p:cNvSpPr>
-            <a:spLocks noGrp="1"/>
-          </p:cNvSpPr>
-          <p:nvPr>
-            <p:ph type="body" idx="1"/>
-          </p:nvPr>
-        </p:nvSpPr>
-        <p:spPr/>
-        <p:txBody>
-          <a:bodyPr/>
-          <a:lstStyle/>
-          <a:p>
-            <a:endParaRPr lang="en-US"/>
-          </a:p>
-        </p:txBody>
-      </p:sp>
-      <p:sp>
-        <p:nvSpPr>
-          <p:cNvPr id="4" name="Slide Number Placeholder 3"/>
-          <p:cNvSpPr>
-            <a:spLocks noGrp="1"/>
-          </p:cNvSpPr>
-          <p:nvPr>
-            <p:ph type="sldNum" sz="quarter" idx="10"/>
-          </p:nvPr>
-        </p:nvSpPr>
-        <p:spPr/>
-        <p:txBody>
-          <a:bodyPr/>
-          <a:lstStyle/>
-          <a:p>
-            <a:fld id="{7AE90029-A909-AD4E-9775-A0D64990AD22}" type="slidenum">
-              <a:rPr lang="en-US" smtClean="0"/>
-              <a:t>44</a:t>
-            </a:fld>
-            <a:endParaRPr lang="en-US"/>
-          </a:p>
-        </p:txBody>
-      </p:sp>
-    </p:spTree>
-    <p:extLst>
-      <p:ext uri="{BB962C8B-B14F-4D97-AF65-F5344CB8AC3E}">
-        <p14:creationId xmlns:p14="http://schemas.microsoft.com/office/powerpoint/2010/main" val="1036739369"/>
       </p:ext>
     </p:extLst>
   </p:cSld>
@@ -7116,7 +6623,7 @@
         <p:spPr>
           <a:xfrm>
             <a:off x="631825" y="1556683"/>
-            <a:ext cx="6910388" cy="1066446"/>
+            <a:ext cx="6910388" cy="586314"/>
           </a:xfrm>
         </p:spPr>
         <p:txBody>
@@ -7124,45 +6631,10 @@
           <a:lstStyle/>
           <a:p>
             <a:r>
-              <a:rPr lang="en-US" dirty="0"/>
-              <a:t>Logging </a:t>
-            </a:r>
-          </a:p>
-          <a:p>
-            <a:endParaRPr lang="en-US" sz="2000" dirty="0"/>
-          </a:p>
-          <a:p>
-            <a:r>
-              <a:rPr lang="en-US" sz="2000" dirty="0"/>
-              <a:t>Mykyta Bakirov</a:t>
-            </a:r>
-          </a:p>
-        </p:txBody>
-      </p:sp>
-      <p:sp>
-        <p:nvSpPr>
-          <p:cNvPr id="5" name="Text Placeholder 4"/>
-          <p:cNvSpPr>
-            <a:spLocks noGrp="1"/>
-          </p:cNvSpPr>
-          <p:nvPr>
-            <p:ph type="body" sz="quarter" idx="17"/>
-          </p:nvPr>
-        </p:nvSpPr>
-        <p:spPr/>
-        <p:txBody>
-          <a:bodyPr>
-            <a:normAutofit lnSpcReduction="10000"/>
-          </a:bodyPr>
-          <a:lstStyle/>
-          <a:p>
-            <a:r>
-              <a:rPr lang="en-US" dirty="0">
-                <a:latin typeface="Trebuchet MS"/>
-                <a:cs typeface="Trebuchet MS"/>
-              </a:rPr>
-              <a:t>JANUARY 17, 2017</a:t>
-            </a:r>
+              <a:rPr lang="en-US" dirty="0" smtClean="0"/>
+              <a:t>Logging</a:t>
+            </a:r>
+            <a:endParaRPr lang="en-US" dirty="0"/>
           </a:p>
         </p:txBody>
       </p:sp>
@@ -7191,6 +6663,27 @@
         </p:blipFill>
         <p:spPr/>
       </p:pic>
+      <p:sp>
+        <p:nvSpPr>
+          <p:cNvPr id="2" name="Текст 1"/>
+          <p:cNvSpPr>
+            <a:spLocks noGrp="1"/>
+          </p:cNvSpPr>
+          <p:nvPr>
+            <p:ph type="body" sz="quarter" idx="17"/>
+          </p:nvPr>
+        </p:nvSpPr>
+        <p:spPr/>
+        <p:txBody>
+          <a:bodyPr>
+            <a:normAutofit lnSpcReduction="10000"/>
+          </a:bodyPr>
+          <a:lstStyle/>
+          <a:p>
+            <a:endParaRPr lang="ru-RU"/>
+          </a:p>
+        </p:txBody>
+      </p:sp>
     </p:spTree>
     <p:extLst>
       <p:ext uri="{BB962C8B-B14F-4D97-AF65-F5344CB8AC3E}">
@@ -7201,6 +6694,13 @@
   <p:clrMapOvr>
     <a:masterClrMapping/>
   </p:clrMapOvr>
+  <p:timing>
+    <p:tnLst>
+      <p:par>
+        <p:cTn id="1" dur="indefinite" restart="never" nodeType="tmRoot"/>
+      </p:par>
+    </p:tnLst>
+  </p:timing>
 </p:sld>
 </file>
 
@@ -7425,6 +6925,13 @@
   <p:clrMapOvr>
     <a:masterClrMapping/>
   </p:clrMapOvr>
+  <p:timing>
+    <p:tnLst>
+      <p:par>
+        <p:cTn id="1" dur="indefinite" restart="never" nodeType="tmRoot"/>
+      </p:par>
+    </p:tnLst>
+  </p:timing>
 </p:sld>
 </file>
 
@@ -7649,6 +7156,13 @@
   <p:clrMapOvr>
     <a:masterClrMapping/>
   </p:clrMapOvr>
+  <p:timing>
+    <p:tnLst>
+      <p:par>
+        <p:cTn id="1" dur="indefinite" restart="never" nodeType="tmRoot"/>
+      </p:par>
+    </p:tnLst>
+  </p:timing>
 </p:sld>
 </file>
 
@@ -7838,6 +7352,13 @@
   <p:clrMapOvr>
     <a:masterClrMapping/>
   </p:clrMapOvr>
+  <p:timing>
+    <p:tnLst>
+      <p:par>
+        <p:cTn id="1" dur="indefinite" restart="never" nodeType="tmRoot"/>
+      </p:par>
+    </p:tnLst>
+  </p:timing>
 </p:sld>
 </file>
 
@@ -8043,6 +7564,13 @@
   <p:clrMapOvr>
     <a:masterClrMapping/>
   </p:clrMapOvr>
+  <p:timing>
+    <p:tnLst>
+      <p:par>
+        <p:cTn id="1" dur="indefinite" restart="never" nodeType="tmRoot"/>
+      </p:par>
+    </p:tnLst>
+  </p:timing>
 </p:sld>
 </file>
 
@@ -8265,6 +7793,13 @@
   <p:clrMapOvr>
     <a:masterClrMapping/>
   </p:clrMapOvr>
+  <p:timing>
+    <p:tnLst>
+      <p:par>
+        <p:cTn id="1" dur="indefinite" restart="never" nodeType="tmRoot"/>
+      </p:par>
+    </p:tnLst>
+  </p:timing>
 </p:sld>
 </file>
 
@@ -8480,6 +8015,13 @@
   <p:clrMapOvr>
     <a:masterClrMapping/>
   </p:clrMapOvr>
+  <p:timing>
+    <p:tnLst>
+      <p:par>
+        <p:cTn id="1" dur="indefinite" restart="never" nodeType="tmRoot"/>
+      </p:par>
+    </p:tnLst>
+  </p:timing>
 </p:sld>
 </file>
 
@@ -8565,6 +8107,13 @@
   <p:clrMapOvr>
     <a:masterClrMapping/>
   </p:clrMapOvr>
+  <p:timing>
+    <p:tnLst>
+      <p:par>
+        <p:cTn id="1" dur="indefinite" restart="never" nodeType="tmRoot"/>
+      </p:par>
+    </p:tnLst>
+  </p:timing>
 </p:sld>
 </file>
 
@@ -8723,6 +8272,13 @@
   <p:clrMapOvr>
     <a:masterClrMapping/>
   </p:clrMapOvr>
+  <p:timing>
+    <p:tnLst>
+      <p:par>
+        <p:cTn id="1" dur="indefinite" restart="never" nodeType="tmRoot"/>
+      </p:par>
+    </p:tnLst>
+  </p:timing>
 </p:sld>
 </file>
 
@@ -8877,6 +8433,13 @@
   <p:clrMapOvr>
     <a:masterClrMapping/>
   </p:clrMapOvr>
+  <p:timing>
+    <p:tnLst>
+      <p:par>
+        <p:cTn id="1" dur="indefinite" restart="never" nodeType="tmRoot"/>
+      </p:par>
+    </p:tnLst>
+  </p:timing>
 </p:sld>
 </file>
 
@@ -8966,6 +8529,13 @@
   <p:clrMapOvr>
     <a:masterClrMapping/>
   </p:clrMapOvr>
+  <p:timing>
+    <p:tnLst>
+      <p:par>
+        <p:cTn id="1" dur="indefinite" restart="never" nodeType="tmRoot"/>
+      </p:par>
+    </p:tnLst>
+  </p:timing>
 </p:sld>
 </file>
 
@@ -9742,295 +9312,13 @@
       </p:grpSp>
       <p:grpSp>
         <p:nvGrpSpPr>
-          <p:cNvPr id="28" name="Group 27"/>
-          <p:cNvGrpSpPr/>
-          <p:nvPr/>
-        </p:nvGrpSpPr>
-        <p:grpSpPr>
-          <a:xfrm>
-            <a:off x="697147" y="3208685"/>
-            <a:ext cx="5455763" cy="362731"/>
-            <a:chOff x="448467" y="4140826"/>
-            <a:chExt cx="7274350" cy="483641"/>
-          </a:xfrm>
-        </p:grpSpPr>
-        <p:sp>
-          <p:nvSpPr>
-            <p:cNvPr id="30" name="TextBox 29"/>
-            <p:cNvSpPr txBox="1"/>
-            <p:nvPr/>
-          </p:nvSpPr>
-          <p:spPr>
-            <a:xfrm>
-              <a:off x="991818" y="4173062"/>
-              <a:ext cx="6730999" cy="451405"/>
-            </a:xfrm>
-            <a:prstGeom prst="rect">
-              <a:avLst/>
-            </a:prstGeom>
-            <a:noFill/>
-          </p:spPr>
-          <p:txBody>
-            <a:bodyPr wrap="square" rtlCol="0">
-              <a:spAutoFit/>
-            </a:bodyPr>
-            <a:lstStyle/>
-            <a:p>
-              <a:r>
-                <a:rPr lang="en-US" sz="1600" dirty="0"/>
-                <a:t>ELK stack</a:t>
-              </a:r>
-              <a:endParaRPr lang="en-US" sz="1600" b="1" dirty="0"/>
-            </a:p>
-          </p:txBody>
-        </p:sp>
-        <p:grpSp>
-          <p:nvGrpSpPr>
-            <p:cNvPr id="31" name="Group 30"/>
-            <p:cNvGrpSpPr/>
-            <p:nvPr/>
-          </p:nvGrpSpPr>
-          <p:grpSpPr>
-            <a:xfrm>
-              <a:off x="448467" y="4140826"/>
-              <a:ext cx="464582" cy="464582"/>
-              <a:chOff x="448467" y="4140826"/>
-              <a:chExt cx="464582" cy="464582"/>
-            </a:xfrm>
-          </p:grpSpPr>
-          <p:sp>
-            <p:nvSpPr>
-              <p:cNvPr id="32" name="Oval 31"/>
-              <p:cNvSpPr/>
-              <p:nvPr/>
-            </p:nvSpPr>
-            <p:spPr>
-              <a:xfrm>
-                <a:off x="448467" y="4140826"/>
-                <a:ext cx="464582" cy="464582"/>
-              </a:xfrm>
-              <a:prstGeom prst="ellipse">
-                <a:avLst/>
-              </a:prstGeom>
-              <a:solidFill>
-                <a:srgbClr val="2FC2D9"/>
-              </a:solidFill>
-              <a:ln>
-                <a:noFill/>
-              </a:ln>
-              <a:effectLst/>
-            </p:spPr>
-            <p:style>
-              <a:lnRef idx="1">
-                <a:schemeClr val="accent1"/>
-              </a:lnRef>
-              <a:fillRef idx="3">
-                <a:schemeClr val="accent1"/>
-              </a:fillRef>
-              <a:effectRef idx="2">
-                <a:schemeClr val="accent1"/>
-              </a:effectRef>
-              <a:fontRef idx="minor">
-                <a:schemeClr val="lt1"/>
-              </a:fontRef>
-            </p:style>
-            <p:txBody>
-              <a:bodyPr rtlCol="0" anchor="ctr"/>
-              <a:lstStyle/>
-              <a:p>
-                <a:pPr algn="ctr"/>
-                <a:endParaRPr lang="en-US" dirty="0"/>
-              </a:p>
-            </p:txBody>
-          </p:sp>
-          <p:sp>
-            <p:nvSpPr>
-              <p:cNvPr id="33" name="TextBox 32"/>
-              <p:cNvSpPr txBox="1"/>
-              <p:nvPr/>
-            </p:nvSpPr>
-            <p:spPr>
-              <a:xfrm>
-                <a:off x="472508" y="4182297"/>
-                <a:ext cx="417291" cy="406265"/>
-              </a:xfrm>
-              <a:prstGeom prst="rect">
-                <a:avLst/>
-              </a:prstGeom>
-              <a:noFill/>
-            </p:spPr>
-            <p:txBody>
-              <a:bodyPr wrap="none" tIns="27432" rtlCol="0">
-                <a:spAutoFit/>
-              </a:bodyPr>
-              <a:lstStyle/>
-              <a:p>
-                <a:pPr algn="ctr"/>
-                <a:r>
-                  <a:rPr lang="en-US" sz="1500" dirty="0">
-                    <a:solidFill>
-                      <a:schemeClr val="bg1"/>
-                    </a:solidFill>
-                    <a:latin typeface="Arial Black"/>
-                    <a:cs typeface="Arial Black"/>
-                  </a:rPr>
-                  <a:t>6</a:t>
-                </a:r>
-              </a:p>
-            </p:txBody>
-          </p:sp>
-        </p:grpSp>
-      </p:grpSp>
-      <p:grpSp>
-        <p:nvGrpSpPr>
-          <p:cNvPr id="34" name="Group 33"/>
-          <p:cNvGrpSpPr/>
-          <p:nvPr/>
-        </p:nvGrpSpPr>
-        <p:grpSpPr>
-          <a:xfrm>
-            <a:off x="696595" y="3672107"/>
-            <a:ext cx="5455763" cy="362734"/>
-            <a:chOff x="448467" y="4140826"/>
-            <a:chExt cx="7274349" cy="483644"/>
-          </a:xfrm>
-        </p:grpSpPr>
-        <p:sp>
-          <p:nvSpPr>
-            <p:cNvPr id="35" name="TextBox 34"/>
-            <p:cNvSpPr txBox="1"/>
-            <p:nvPr/>
-          </p:nvSpPr>
-          <p:spPr>
-            <a:xfrm>
-              <a:off x="991818" y="4173065"/>
-              <a:ext cx="6730998" cy="451405"/>
-            </a:xfrm>
-            <a:prstGeom prst="rect">
-              <a:avLst/>
-            </a:prstGeom>
-            <a:noFill/>
-          </p:spPr>
-          <p:txBody>
-            <a:bodyPr wrap="square" rtlCol="0">
-              <a:spAutoFit/>
-            </a:bodyPr>
-            <a:lstStyle/>
-            <a:p>
-              <a:r>
-                <a:rPr lang="en-US" sz="1600" dirty="0"/>
-                <a:t>Azure application insights</a:t>
-              </a:r>
-              <a:endParaRPr lang="en-US" sz="1600" b="1" dirty="0"/>
-            </a:p>
-          </p:txBody>
-        </p:sp>
-        <p:grpSp>
-          <p:nvGrpSpPr>
-            <p:cNvPr id="36" name="Group 35"/>
-            <p:cNvGrpSpPr/>
-            <p:nvPr/>
-          </p:nvGrpSpPr>
-          <p:grpSpPr>
-            <a:xfrm>
-              <a:off x="448467" y="4140826"/>
-              <a:ext cx="464582" cy="464582"/>
-              <a:chOff x="448467" y="4140826"/>
-              <a:chExt cx="464582" cy="464582"/>
-            </a:xfrm>
-          </p:grpSpPr>
-          <p:sp>
-            <p:nvSpPr>
-              <p:cNvPr id="37" name="Oval 36"/>
-              <p:cNvSpPr/>
-              <p:nvPr/>
-            </p:nvSpPr>
-            <p:spPr>
-              <a:xfrm>
-                <a:off x="448467" y="4140826"/>
-                <a:ext cx="464582" cy="464582"/>
-              </a:xfrm>
-              <a:prstGeom prst="ellipse">
-                <a:avLst/>
-              </a:prstGeom>
-              <a:solidFill>
-                <a:srgbClr val="2FC2D9"/>
-              </a:solidFill>
-              <a:ln>
-                <a:noFill/>
-              </a:ln>
-              <a:effectLst/>
-            </p:spPr>
-            <p:style>
-              <a:lnRef idx="1">
-                <a:schemeClr val="accent1"/>
-              </a:lnRef>
-              <a:fillRef idx="3">
-                <a:schemeClr val="accent1"/>
-              </a:fillRef>
-              <a:effectRef idx="2">
-                <a:schemeClr val="accent1"/>
-              </a:effectRef>
-              <a:fontRef idx="minor">
-                <a:schemeClr val="lt1"/>
-              </a:fontRef>
-            </p:style>
-            <p:txBody>
-              <a:bodyPr rtlCol="0" anchor="ctr"/>
-              <a:lstStyle/>
-              <a:p>
-                <a:pPr algn="ctr"/>
-                <a:endParaRPr lang="en-US" dirty="0"/>
-              </a:p>
-            </p:txBody>
-          </p:sp>
-          <p:sp>
-            <p:nvSpPr>
-              <p:cNvPr id="48" name="TextBox 47"/>
-              <p:cNvSpPr txBox="1"/>
-              <p:nvPr/>
-            </p:nvSpPr>
-            <p:spPr>
-              <a:xfrm>
-                <a:off x="472550" y="4182297"/>
-                <a:ext cx="417209" cy="406265"/>
-              </a:xfrm>
-              <a:prstGeom prst="rect">
-                <a:avLst/>
-              </a:prstGeom>
-              <a:noFill/>
-            </p:spPr>
-            <p:txBody>
-              <a:bodyPr wrap="none" tIns="27432" rtlCol="0">
-                <a:spAutoFit/>
-              </a:bodyPr>
-              <a:lstStyle/>
-              <a:p>
-                <a:pPr algn="ctr"/>
-                <a:r>
-                  <a:rPr lang="en-US" sz="1500" dirty="0">
-                    <a:solidFill>
-                      <a:schemeClr val="bg1"/>
-                    </a:solidFill>
-                    <a:latin typeface="Arial Black"/>
-                    <a:cs typeface="Arial Black"/>
-                  </a:rPr>
-                  <a:t>7</a:t>
-                </a:r>
-              </a:p>
-            </p:txBody>
-          </p:sp>
-        </p:grpSp>
-      </p:grpSp>
-      <p:grpSp>
-        <p:nvGrpSpPr>
           <p:cNvPr id="49" name="Group 48"/>
           <p:cNvGrpSpPr/>
           <p:nvPr/>
         </p:nvGrpSpPr>
         <p:grpSpPr>
           <a:xfrm>
-            <a:off x="696595" y="4112800"/>
+            <a:off x="696595" y="3145659"/>
             <a:ext cx="7685406" cy="362733"/>
             <a:chOff x="448467" y="4140826"/>
             <a:chExt cx="10247205" cy="483643"/>
@@ -10133,8 +9421,8 @@
             </p:nvSpPr>
             <p:spPr>
               <a:xfrm>
-                <a:off x="472550" y="4182297"/>
-                <a:ext cx="417209" cy="406265"/>
+                <a:off x="472549" y="4182297"/>
+                <a:ext cx="417208" cy="406265"/>
               </a:xfrm>
               <a:prstGeom prst="rect">
                 <a:avLst/>
@@ -10149,15 +9437,170 @@
               <a:p>
                 <a:pPr algn="ctr"/>
                 <a:r>
-                  <a:rPr lang="en-US" sz="1500" dirty="0">
+                  <a:rPr lang="ru-RU" sz="1500" dirty="0" smtClean="0">
                     <a:solidFill>
                       <a:schemeClr val="bg1"/>
                     </a:solidFill>
                     <a:latin typeface="Arial Black"/>
                     <a:cs typeface="Arial Black"/>
                   </a:rPr>
-                  <a:t>8</a:t>
+                  <a:t>6</a:t>
                 </a:r>
+                <a:endParaRPr lang="en-US" sz="1500" dirty="0">
+                  <a:solidFill>
+                    <a:schemeClr val="bg1"/>
+                  </a:solidFill>
+                  <a:latin typeface="Arial Black"/>
+                  <a:cs typeface="Arial Black"/>
+                </a:endParaRPr>
+              </a:p>
+            </p:txBody>
+          </p:sp>
+        </p:grpSp>
+      </p:grpSp>
+      <p:grpSp>
+        <p:nvGrpSpPr>
+          <p:cNvPr id="54" name="Group 48"/>
+          <p:cNvGrpSpPr/>
+          <p:nvPr/>
+        </p:nvGrpSpPr>
+        <p:grpSpPr>
+          <a:xfrm>
+            <a:off x="696595" y="3518663"/>
+            <a:ext cx="7685406" cy="362733"/>
+            <a:chOff x="448467" y="4140826"/>
+            <a:chExt cx="10247205" cy="483643"/>
+          </a:xfrm>
+        </p:grpSpPr>
+        <p:sp>
+          <p:nvSpPr>
+            <p:cNvPr id="55" name="TextBox 54"/>
+            <p:cNvSpPr txBox="1"/>
+            <p:nvPr/>
+          </p:nvSpPr>
+          <p:spPr>
+            <a:xfrm>
+              <a:off x="991818" y="4173065"/>
+              <a:ext cx="9703854" cy="451404"/>
+            </a:xfrm>
+            <a:prstGeom prst="rect">
+              <a:avLst/>
+            </a:prstGeom>
+            <a:noFill/>
+          </p:spPr>
+          <p:txBody>
+            <a:bodyPr wrap="square" rtlCol="0">
+              <a:spAutoFit/>
+            </a:bodyPr>
+            <a:lstStyle/>
+            <a:p>
+              <a:r>
+                <a:rPr lang="en-US" sz="1600" dirty="0" smtClean="0"/>
+                <a:t>Demo</a:t>
+              </a:r>
+              <a:endParaRPr lang="en-US" sz="1600" b="1" dirty="0"/>
+            </a:p>
+          </p:txBody>
+        </p:sp>
+        <p:grpSp>
+          <p:nvGrpSpPr>
+            <p:cNvPr id="56" name="Group 50"/>
+            <p:cNvGrpSpPr/>
+            <p:nvPr/>
+          </p:nvGrpSpPr>
+          <p:grpSpPr>
+            <a:xfrm>
+              <a:off x="448467" y="4140826"/>
+              <a:ext cx="464582" cy="464582"/>
+              <a:chOff x="448467" y="4140826"/>
+              <a:chExt cx="464582" cy="464582"/>
+            </a:xfrm>
+          </p:grpSpPr>
+          <p:sp>
+            <p:nvSpPr>
+              <p:cNvPr id="57" name="Oval 51"/>
+              <p:cNvSpPr/>
+              <p:nvPr/>
+            </p:nvSpPr>
+            <p:spPr>
+              <a:xfrm>
+                <a:off x="448467" y="4140826"/>
+                <a:ext cx="464582" cy="464582"/>
+              </a:xfrm>
+              <a:prstGeom prst="ellipse">
+                <a:avLst/>
+              </a:prstGeom>
+              <a:solidFill>
+                <a:srgbClr val="2FC2D9"/>
+              </a:solidFill>
+              <a:ln>
+                <a:noFill/>
+              </a:ln>
+              <a:effectLst/>
+            </p:spPr>
+            <p:style>
+              <a:lnRef idx="1">
+                <a:schemeClr val="accent1"/>
+              </a:lnRef>
+              <a:fillRef idx="3">
+                <a:schemeClr val="accent1"/>
+              </a:fillRef>
+              <a:effectRef idx="2">
+                <a:schemeClr val="accent1"/>
+              </a:effectRef>
+              <a:fontRef idx="minor">
+                <a:schemeClr val="lt1"/>
+              </a:fontRef>
+            </p:style>
+            <p:txBody>
+              <a:bodyPr rtlCol="0" anchor="ctr"/>
+              <a:lstStyle/>
+              <a:p>
+                <a:pPr algn="ctr"/>
+                <a:endParaRPr lang="en-US" dirty="0"/>
+              </a:p>
+            </p:txBody>
+          </p:sp>
+          <p:sp>
+            <p:nvSpPr>
+              <p:cNvPr id="58" name="TextBox 57"/>
+              <p:cNvSpPr txBox="1"/>
+              <p:nvPr/>
+            </p:nvSpPr>
+            <p:spPr>
+              <a:xfrm>
+                <a:off x="472549" y="4182297"/>
+                <a:ext cx="417208" cy="406265"/>
+              </a:xfrm>
+              <a:prstGeom prst="rect">
+                <a:avLst/>
+              </a:prstGeom>
+              <a:noFill/>
+            </p:spPr>
+            <p:txBody>
+              <a:bodyPr wrap="none" tIns="27432" rtlCol="0">
+                <a:spAutoFit/>
+              </a:bodyPr>
+              <a:lstStyle/>
+              <a:p>
+                <a:pPr algn="ctr"/>
+                <a:r>
+                  <a:rPr lang="ru-RU" sz="1500" dirty="0" smtClean="0">
+                    <a:solidFill>
+                      <a:schemeClr val="bg1"/>
+                    </a:solidFill>
+                    <a:latin typeface="Arial Black"/>
+                    <a:cs typeface="Arial Black"/>
+                  </a:rPr>
+                  <a:t>7</a:t>
+                </a:r>
+                <a:endParaRPr lang="en-US" sz="1500" dirty="0">
+                  <a:solidFill>
+                    <a:schemeClr val="bg1"/>
+                  </a:solidFill>
+                  <a:latin typeface="Arial Black"/>
+                  <a:cs typeface="Arial Black"/>
+                </a:endParaRPr>
               </a:p>
             </p:txBody>
           </p:sp>
@@ -10173,6 +9616,13 @@
   <p:clrMapOvr>
     <a:masterClrMapping/>
   </p:clrMapOvr>
+  <p:timing>
+    <p:tnLst>
+      <p:par>
+        <p:cTn id="1" dur="indefinite" restart="never" nodeType="tmRoot"/>
+      </p:par>
+    </p:tnLst>
+  </p:timing>
 </p:sld>
 </file>
 
@@ -10391,6 +9841,13 @@
   <p:clrMapOvr>
     <a:masterClrMapping/>
   </p:clrMapOvr>
+  <p:timing>
+    <p:tnLst>
+      <p:par>
+        <p:cTn id="1" dur="indefinite" restart="never" nodeType="tmRoot"/>
+      </p:par>
+    </p:tnLst>
+  </p:timing>
 </p:sld>
 </file>
 
@@ -10763,6 +10220,13 @@
   <p:clrMapOvr>
     <a:masterClrMapping/>
   </p:clrMapOvr>
+  <p:timing>
+    <p:tnLst>
+      <p:par>
+        <p:cTn id="1" dur="indefinite" restart="never" nodeType="tmRoot"/>
+      </p:par>
+    </p:tnLst>
+  </p:timing>
 </p:sld>
 </file>
 
@@ -11027,6 +10491,13 @@
   <p:clrMapOvr>
     <a:masterClrMapping/>
   </p:clrMapOvr>
+  <p:timing>
+    <p:tnLst>
+      <p:par>
+        <p:cTn id="1" dur="indefinite" restart="never" nodeType="tmRoot"/>
+      </p:par>
+    </p:tnLst>
+  </p:timing>
 </p:sld>
 </file>
 
@@ -11129,26 +10600,66 @@
       </p:sp>
       <p:pic>
         <p:nvPicPr>
-          <p:cNvPr id="9" name="Picture 8"/>
+          <p:cNvPr id="2050" name="Picture 2"/>
           <p:cNvPicPr>
-            <a:picLocks noChangeAspect="1"/>
+            <a:picLocks noChangeAspect="1" noChangeArrowheads="1"/>
           </p:cNvPicPr>
           <p:nvPr/>
         </p:nvPicPr>
         <p:blipFill>
-          <a:blip r:embed="rId3"/>
+          <a:blip r:embed="rId3">
+            <a:extLst>
+              <a:ext uri="{28A0092B-C50C-407E-A947-70E740481C1C}">
+                <a14:useLocalDpi xmlns:a14="http://schemas.microsoft.com/office/drawing/2010/main" val="0"/>
+              </a:ext>
+            </a:extLst>
+          </a:blip>
+          <a:srcRect/>
           <a:stretch>
             <a:fillRect/>
           </a:stretch>
         </p:blipFill>
-        <p:spPr>
+        <p:spPr bwMode="auto">
           <a:xfrm>
-            <a:off x="501445" y="759622"/>
-            <a:ext cx="8141110" cy="4066456"/>
+            <a:off x="0" y="747131"/>
+            <a:ext cx="9144000" cy="4082043"/>
           </a:xfrm>
           <a:prstGeom prst="rect">
             <a:avLst/>
           </a:prstGeom>
+          <a:noFill/>
+          <a:ln>
+            <a:noFill/>
+          </a:ln>
+          <a:effectLst/>
+          <a:extLst>
+            <a:ext uri="{909E8E84-426E-40DD-AFC4-6F175D3DCCD1}">
+              <a14:hiddenFill xmlns:a14="http://schemas.microsoft.com/office/drawing/2010/main">
+                <a:solidFill>
+                  <a:schemeClr val="accent1"/>
+                </a:solidFill>
+              </a14:hiddenFill>
+            </a:ext>
+            <a:ext uri="{91240B29-F687-4F45-9708-019B960494DF}">
+              <a14:hiddenLine xmlns:a14="http://schemas.microsoft.com/office/drawing/2010/main" w="9525">
+                <a:solidFill>
+                  <a:schemeClr val="tx1"/>
+                </a:solidFill>
+                <a:miter lim="800000"/>
+                <a:headEnd/>
+                <a:tailEnd/>
+              </a14:hiddenLine>
+            </a:ext>
+            <a:ext uri="{AF507438-7753-43E0-B8FC-AC1667EBCBE1}">
+              <a14:hiddenEffects xmlns:a14="http://schemas.microsoft.com/office/drawing/2010/main">
+                <a:effectLst>
+                  <a:outerShdw dist="35921" dir="2700000" algn="ctr" rotWithShape="0">
+                    <a:schemeClr val="bg2"/>
+                  </a:outerShdw>
+                </a:effectLst>
+              </a14:hiddenEffects>
+            </a:ext>
+          </a:extLst>
         </p:spPr>
       </p:pic>
     </p:spTree>
@@ -11161,6 +10672,13 @@
   <p:clrMapOvr>
     <a:masterClrMapping/>
   </p:clrMapOvr>
+  <p:timing>
+    <p:tnLst>
+      <p:par>
+        <p:cTn id="1" dur="indefinite" restart="never" nodeType="tmRoot"/>
+      </p:par>
+    </p:tnLst>
+  </p:timing>
 </p:sld>
 </file>
 
@@ -11343,30 +10861,6 @@
           </a:p>
         </p:txBody>
       </p:sp>
-      <p:pic>
-        <p:nvPicPr>
-          <p:cNvPr id="5" name="Picture 4"/>
-          <p:cNvPicPr>
-            <a:picLocks noChangeAspect="1"/>
-          </p:cNvPicPr>
-          <p:nvPr/>
-        </p:nvPicPr>
-        <p:blipFill>
-          <a:blip r:embed="rId3"/>
-          <a:stretch>
-            <a:fillRect/>
-          </a:stretch>
-        </p:blipFill>
-        <p:spPr>
-          <a:xfrm>
-            <a:off x="275422" y="2809301"/>
-            <a:ext cx="8578097" cy="1621945"/>
-          </a:xfrm>
-          <a:prstGeom prst="rect">
-            <a:avLst/>
-          </a:prstGeom>
-        </p:spPr>
-      </p:pic>
       <p:graphicFrame>
         <p:nvGraphicFramePr>
           <p:cNvPr id="3" name="Table 2"/>
@@ -11393,21 +10887,21 @@
                 <a:gridCol w="4318546">
                   <a:extLst>
                     <a:ext uri="{9D8B030D-6E8A-4147-A177-3AD203B41FA5}">
-                      <a16:colId xmlns:a16="http://schemas.microsoft.com/office/drawing/2014/main" val="1377666358"/>
+                      <a16:colId xmlns:a16="http://schemas.microsoft.com/office/drawing/2014/main" xmlns="" val="1377666358"/>
                     </a:ext>
                   </a:extLst>
                 </a:gridCol>
                 <a:gridCol w="1038784">
                   <a:extLst>
                     <a:ext uri="{9D8B030D-6E8A-4147-A177-3AD203B41FA5}">
-                      <a16:colId xmlns:a16="http://schemas.microsoft.com/office/drawing/2014/main" val="2321757637"/>
+                      <a16:colId xmlns:a16="http://schemas.microsoft.com/office/drawing/2014/main" xmlns="" val="2321757637"/>
                     </a:ext>
                   </a:extLst>
                 </a:gridCol>
                 <a:gridCol w="3138970">
                   <a:extLst>
                     <a:ext uri="{9D8B030D-6E8A-4147-A177-3AD203B41FA5}">
-                      <a16:colId xmlns:a16="http://schemas.microsoft.com/office/drawing/2014/main" val="2920177717"/>
+                      <a16:colId xmlns:a16="http://schemas.microsoft.com/office/drawing/2014/main" xmlns="" val="2920177717"/>
                     </a:ext>
                   </a:extLst>
                 </a:gridCol>
@@ -11424,7 +10918,7 @@
                             <a:srgbClr val="0071BC"/>
                           </a:solidFill>
                           <a:effectLst/>
-                          <a:hlinkClick r:id="rId4" tooltip="Common.Logging 3.3.1"/>
+                          <a:hlinkClick r:id="rId3" tooltip="Common.Logging 3.3.1"/>
                         </a:rPr>
                         <a:t>Common.Logging</a:t>
                       </a:r>
@@ -11434,7 +10928,7 @@
                             <a:srgbClr val="0071BC"/>
                           </a:solidFill>
                           <a:effectLst/>
-                          <a:hlinkClick r:id="rId4" tooltip="Common.Logging 3.3.1"/>
+                          <a:hlinkClick r:id="rId3" tooltip="Common.Logging 3.3.1"/>
                         </a:rPr>
                         <a:t> 3.3.1 (latest stable)</a:t>
                       </a:r>
@@ -11523,7 +11017,7 @@
                 </a:tc>
                 <a:extLst>
                   <a:ext uri="{0D108BD9-81ED-4DB2-BD59-A6C34878D82A}">
-                    <a16:rowId xmlns:a16="http://schemas.microsoft.com/office/drawing/2014/main" val="426772895"/>
+                    <a16:rowId xmlns:a16="http://schemas.microsoft.com/office/drawing/2014/main" xmlns="" val="426772895"/>
                   </a:ext>
                 </a:extLst>
               </a:tr>
@@ -11531,6 +11025,70 @@
           </a:graphicData>
         </a:graphic>
       </p:graphicFrame>
+      <p:pic>
+        <p:nvPicPr>
+          <p:cNvPr id="1026" name="Picture 2"/>
+          <p:cNvPicPr>
+            <a:picLocks noChangeAspect="1" noChangeArrowheads="1"/>
+          </p:cNvPicPr>
+          <p:nvPr/>
+        </p:nvPicPr>
+        <p:blipFill>
+          <a:blip r:embed="rId4">
+            <a:extLst>
+              <a:ext uri="{28A0092B-C50C-407E-A947-70E740481C1C}">
+                <a14:useLocalDpi xmlns:a14="http://schemas.microsoft.com/office/drawing/2010/main" val="0"/>
+              </a:ext>
+            </a:extLst>
+          </a:blip>
+          <a:srcRect/>
+          <a:stretch>
+            <a:fillRect/>
+          </a:stretch>
+        </p:blipFill>
+        <p:spPr bwMode="auto">
+          <a:xfrm>
+            <a:off x="89209" y="3001421"/>
+            <a:ext cx="8831766" cy="1571625"/>
+          </a:xfrm>
+          <a:prstGeom prst="rect">
+            <a:avLst/>
+          </a:prstGeom>
+          <a:noFill/>
+          <a:ln>
+            <a:noFill/>
+          </a:ln>
+          <a:effectLst/>
+          <a:extLst>
+            <a:ext uri="{909E8E84-426E-40DD-AFC4-6F175D3DCCD1}">
+              <a14:hiddenFill xmlns:a14="http://schemas.microsoft.com/office/drawing/2010/main">
+                <a:solidFill>
+                  <a:schemeClr val="accent1"/>
+                </a:solidFill>
+              </a14:hiddenFill>
+            </a:ext>
+            <a:ext uri="{91240B29-F687-4F45-9708-019B960494DF}">
+              <a14:hiddenLine xmlns:a14="http://schemas.microsoft.com/office/drawing/2010/main" w="9525">
+                <a:solidFill>
+                  <a:schemeClr val="tx1"/>
+                </a:solidFill>
+                <a:miter lim="800000"/>
+                <a:headEnd/>
+                <a:tailEnd/>
+              </a14:hiddenLine>
+            </a:ext>
+            <a:ext uri="{AF507438-7753-43E0-B8FC-AC1667EBCBE1}">
+              <a14:hiddenEffects xmlns:a14="http://schemas.microsoft.com/office/drawing/2010/main">
+                <a:effectLst>
+                  <a:outerShdw dist="35921" dir="2700000" algn="ctr" rotWithShape="0">
+                    <a:schemeClr val="bg2"/>
+                  </a:outerShdw>
+                </a:effectLst>
+              </a14:hiddenEffects>
+            </a:ext>
+          </a:extLst>
+        </p:spPr>
+      </p:pic>
     </p:spTree>
     <p:extLst>
       <p:ext uri="{BB962C8B-B14F-4D97-AF65-F5344CB8AC3E}">
@@ -11541,6 +11099,13 @@
   <p:clrMapOvr>
     <a:masterClrMapping/>
   </p:clrMapOvr>
+  <p:timing>
+    <p:tnLst>
+      <p:par>
+        <p:cTn id="1" dur="indefinite" restart="never" nodeType="tmRoot"/>
+      </p:par>
+    </p:tnLst>
+  </p:timing>
 </p:sld>
 </file>
 
@@ -11626,6 +11191,13 @@
   <p:clrMapOvr>
     <a:masterClrMapping/>
   </p:clrMapOvr>
+  <p:timing>
+    <p:tnLst>
+      <p:par>
+        <p:cTn id="1" dur="indefinite" restart="never" nodeType="tmRoot"/>
+      </p:par>
+    </p:tnLst>
+  </p:timing>
 </p:sld>
 </file>
 
@@ -13471,6 +13043,13 @@
   <p:clrMapOvr>
     <a:masterClrMapping/>
   </p:clrMapOvr>
+  <p:timing>
+    <p:tnLst>
+      <p:par>
+        <p:cTn id="1" dur="indefinite" restart="never" nodeType="tmRoot"/>
+      </p:par>
+    </p:tnLst>
+  </p:timing>
 </p:sld>
 </file>
 
@@ -13577,1189 +13156,17 @@
   <p:clrMapOvr>
     <a:masterClrMapping/>
   </p:clrMapOvr>
+  <p:timing>
+    <p:tnLst>
+      <p:par>
+        <p:cTn id="1" dur="indefinite" restart="never" nodeType="tmRoot"/>
+      </p:par>
+    </p:tnLst>
+  </p:timing>
 </p:sld>
 </file>
 
 <file path=ppt/slides/slide30.xml><?xml version="1.0" encoding="utf-8"?>
-<p:sld xmlns:a="http://schemas.openxmlformats.org/drawingml/2006/main" xmlns:r="http://schemas.openxmlformats.org/officeDocument/2006/relationships" xmlns:p="http://schemas.openxmlformats.org/presentationml/2006/main">
-  <p:cSld>
-    <p:spTree>
-      <p:nvGrpSpPr>
-        <p:cNvPr id="1" name=""/>
-        <p:cNvGrpSpPr/>
-        <p:nvPr/>
-      </p:nvGrpSpPr>
-      <p:grpSpPr>
-        <a:xfrm>
-          <a:off x="0" y="0"/>
-          <a:ext cx="0" cy="0"/>
-          <a:chOff x="0" y="0"/>
-          <a:chExt cx="0" cy="0"/>
-        </a:xfrm>
-      </p:grpSpPr>
-      <p:sp>
-        <p:nvSpPr>
-          <p:cNvPr id="6" name="Text Placeholder 5"/>
-          <p:cNvSpPr>
-            <a:spLocks noGrp="1"/>
-          </p:cNvSpPr>
-          <p:nvPr>
-            <p:ph type="body" sz="quarter" idx="10"/>
-          </p:nvPr>
-        </p:nvSpPr>
-        <p:spPr/>
-        <p:txBody>
-          <a:bodyPr>
-            <a:normAutofit/>
-          </a:bodyPr>
-          <a:lstStyle/>
-          <a:p>
-            <a:pPr>
-              <a:buClr>
-                <a:schemeClr val="bg1"/>
-              </a:buClr>
-              <a:buSzPct val="140000"/>
-            </a:pPr>
-            <a:r>
-              <a:rPr lang="en-US" dirty="0" err="1">
-                <a:solidFill>
-                  <a:srgbClr val="444444"/>
-                </a:solidFill>
-                <a:latin typeface="Trebuchet MS"/>
-                <a:cs typeface="Trebuchet MS"/>
-              </a:rPr>
-              <a:t>Serilog</a:t>
-            </a:r>
-            <a:r>
-              <a:rPr lang="en-US" dirty="0">
-                <a:solidFill>
-                  <a:srgbClr val="444444"/>
-                </a:solidFill>
-                <a:latin typeface="Trebuchet MS"/>
-                <a:cs typeface="Trebuchet MS"/>
-              </a:rPr>
-              <a:t> – ELK</a:t>
-            </a:r>
-          </a:p>
-        </p:txBody>
-      </p:sp>
-      <p:sp>
-        <p:nvSpPr>
-          <p:cNvPr id="8" name="Content Placeholder 7"/>
-          <p:cNvSpPr>
-            <a:spLocks noGrp="1"/>
-          </p:cNvSpPr>
-          <p:nvPr>
-            <p:ph idx="1"/>
-          </p:nvPr>
-        </p:nvSpPr>
-        <p:spPr>
-          <a:xfrm>
-            <a:off x="352473" y="1078992"/>
-            <a:ext cx="8339328" cy="397456"/>
-          </a:xfrm>
-        </p:spPr>
-        <p:txBody>
-          <a:bodyPr>
-            <a:normAutofit/>
-          </a:bodyPr>
-          <a:lstStyle/>
-          <a:p>
-            <a:r>
-              <a:rPr lang="en-US" dirty="0">
-                <a:cs typeface="Trebuchet MS"/>
-              </a:rPr>
-              <a:t>PM&gt;</a:t>
-            </a:r>
-            <a:r>
-              <a:rPr lang="en-US" dirty="0"/>
-              <a:t>Install-Package </a:t>
-            </a:r>
-            <a:r>
-              <a:rPr lang="en-US" dirty="0" err="1"/>
-              <a:t>Serilog.Sinks.Elasticsearch</a:t>
-            </a:r>
-            <a:endParaRPr lang="en-US" dirty="0"/>
-          </a:p>
-          <a:p>
-            <a:endParaRPr lang="en-US" dirty="0">
-              <a:solidFill>
-                <a:srgbClr val="444444"/>
-              </a:solidFill>
-              <a:latin typeface="Open Sans"/>
-            </a:endParaRPr>
-          </a:p>
-        </p:txBody>
-      </p:sp>
-      <p:sp>
-        <p:nvSpPr>
-          <p:cNvPr id="2" name="TextBox 1"/>
-          <p:cNvSpPr txBox="1"/>
-          <p:nvPr/>
-        </p:nvSpPr>
-        <p:spPr>
-          <a:xfrm>
-            <a:off x="-1678214" y="172358"/>
-            <a:ext cx="138548" cy="318549"/>
-          </a:xfrm>
-          <a:prstGeom prst="rect">
-            <a:avLst/>
-          </a:prstGeom>
-          <a:noFill/>
-        </p:spPr>
-        <p:txBody>
-          <a:bodyPr wrap="none" lIns="68580" tIns="34290" rIns="68580" bIns="34290" rtlCol="0">
-            <a:spAutoFit/>
-          </a:bodyPr>
-          <a:lstStyle/>
-          <a:p>
-            <a:pPr>
-              <a:lnSpc>
-                <a:spcPct val="120000"/>
-              </a:lnSpc>
-            </a:pPr>
-            <a:endParaRPr lang="en-US" dirty="0" err="1">
-              <a:solidFill>
-                <a:srgbClr val="444444"/>
-              </a:solidFill>
-              <a:latin typeface="Trebuchet MS"/>
-              <a:cs typeface="Trebuchet MS"/>
-            </a:endParaRPr>
-          </a:p>
-        </p:txBody>
-      </p:sp>
-      <p:pic>
-        <p:nvPicPr>
-          <p:cNvPr id="1026" name="Picture 2" descr="Image result for elk kibana"/>
-          <p:cNvPicPr>
-            <a:picLocks noChangeAspect="1" noChangeArrowheads="1"/>
-          </p:cNvPicPr>
-          <p:nvPr/>
-        </p:nvPicPr>
-        <p:blipFill>
-          <a:blip r:embed="rId3">
-            <a:extLst>
-              <a:ext uri="{28A0092B-C50C-407E-A947-70E740481C1C}">
-                <a14:useLocalDpi xmlns:a14="http://schemas.microsoft.com/office/drawing/2010/main" val="0"/>
-              </a:ext>
-            </a:extLst>
-          </a:blip>
-          <a:srcRect/>
-          <a:stretch>
-            <a:fillRect/>
-          </a:stretch>
-        </p:blipFill>
-        <p:spPr bwMode="auto">
-          <a:xfrm>
-            <a:off x="485775" y="1665279"/>
-            <a:ext cx="2857500" cy="2771776"/>
-          </a:xfrm>
-          <a:prstGeom prst="rect">
-            <a:avLst/>
-          </a:prstGeom>
-          <a:noFill/>
-          <a:extLst>
-            <a:ext uri="{909E8E84-426E-40DD-AFC4-6F175D3DCCD1}">
-              <a14:hiddenFill xmlns:a14="http://schemas.microsoft.com/office/drawing/2010/main">
-                <a:solidFill>
-                  <a:srgbClr val="FFFFFF"/>
-                </a:solidFill>
-              </a14:hiddenFill>
-            </a:ext>
-          </a:extLst>
-        </p:spPr>
-      </p:pic>
-      <p:sp>
-        <p:nvSpPr>
-          <p:cNvPr id="3" name="Rectangle 2"/>
-          <p:cNvSpPr/>
-          <p:nvPr/>
-        </p:nvSpPr>
-        <p:spPr>
-          <a:xfrm>
-            <a:off x="4400550" y="1709809"/>
-            <a:ext cx="4572000" cy="738664"/>
-          </a:xfrm>
-          <a:prstGeom prst="rect">
-            <a:avLst/>
-          </a:prstGeom>
-        </p:spPr>
-        <p:txBody>
-          <a:bodyPr>
-            <a:spAutoFit/>
-          </a:bodyPr>
-          <a:lstStyle/>
-          <a:p>
-            <a:r>
-              <a:rPr lang="en-US" b="1" dirty="0" err="1">
-                <a:solidFill>
-                  <a:srgbClr val="444444"/>
-                </a:solidFill>
-                <a:latin typeface="Open Sans"/>
-              </a:rPr>
-              <a:t>Elasticsearch</a:t>
-            </a:r>
-            <a:r>
-              <a:rPr lang="en-US" dirty="0">
-                <a:solidFill>
-                  <a:srgbClr val="444444"/>
-                </a:solidFill>
-                <a:latin typeface="Open Sans"/>
-              </a:rPr>
-              <a:t> is a distributed, JSON-based search and analytics engine designed for horizontal scalability, maximum reliability, and easy management.</a:t>
-            </a:r>
-          </a:p>
-        </p:txBody>
-      </p:sp>
-      <p:sp>
-        <p:nvSpPr>
-          <p:cNvPr id="5" name="Rectangle 4"/>
-          <p:cNvSpPr/>
-          <p:nvPr/>
-        </p:nvSpPr>
-        <p:spPr>
-          <a:xfrm>
-            <a:off x="4400550" y="2756213"/>
-            <a:ext cx="4572000" cy="738664"/>
-          </a:xfrm>
-          <a:prstGeom prst="rect">
-            <a:avLst/>
-          </a:prstGeom>
-        </p:spPr>
-        <p:txBody>
-          <a:bodyPr>
-            <a:spAutoFit/>
-          </a:bodyPr>
-          <a:lstStyle/>
-          <a:p>
-            <a:r>
-              <a:rPr lang="en-US" b="1" dirty="0" err="1">
-                <a:solidFill>
-                  <a:srgbClr val="444444"/>
-                </a:solidFill>
-                <a:latin typeface="Open Sans"/>
-              </a:rPr>
-              <a:t>Logstash</a:t>
-            </a:r>
-            <a:r>
-              <a:rPr lang="en-US" dirty="0">
-                <a:solidFill>
-                  <a:srgbClr val="444444"/>
-                </a:solidFill>
-                <a:latin typeface="Open Sans"/>
-              </a:rPr>
-              <a:t> is a dynamic data collection pipeline with an extensible plugin ecosystem and strong </a:t>
-            </a:r>
-            <a:r>
-              <a:rPr lang="en-US" dirty="0" err="1">
-                <a:solidFill>
-                  <a:srgbClr val="444444"/>
-                </a:solidFill>
-                <a:latin typeface="Open Sans"/>
-              </a:rPr>
-              <a:t>Elasticsearch</a:t>
-            </a:r>
-            <a:r>
-              <a:rPr lang="en-US" dirty="0">
-                <a:solidFill>
-                  <a:srgbClr val="444444"/>
-                </a:solidFill>
-                <a:latin typeface="Open Sans"/>
-              </a:rPr>
-              <a:t> synergy.</a:t>
-            </a:r>
-            <a:endParaRPr lang="en-US" dirty="0"/>
-          </a:p>
-        </p:txBody>
-      </p:sp>
-      <p:sp>
-        <p:nvSpPr>
-          <p:cNvPr id="7" name="Rectangle 6"/>
-          <p:cNvSpPr/>
-          <p:nvPr/>
-        </p:nvSpPr>
-        <p:spPr>
-          <a:xfrm>
-            <a:off x="4400550" y="3802618"/>
-            <a:ext cx="4572000" cy="738664"/>
-          </a:xfrm>
-          <a:prstGeom prst="rect">
-            <a:avLst/>
-          </a:prstGeom>
-        </p:spPr>
-        <p:txBody>
-          <a:bodyPr>
-            <a:spAutoFit/>
-          </a:bodyPr>
-          <a:lstStyle/>
-          <a:p>
-            <a:r>
-              <a:rPr lang="en-US" b="1" dirty="0" err="1">
-                <a:solidFill>
-                  <a:srgbClr val="444444"/>
-                </a:solidFill>
-                <a:latin typeface="Open Sans"/>
-              </a:rPr>
-              <a:t>Kibana</a:t>
-            </a:r>
-            <a:r>
-              <a:rPr lang="en-US" dirty="0">
-                <a:solidFill>
-                  <a:srgbClr val="444444"/>
-                </a:solidFill>
-                <a:latin typeface="Open Sans"/>
-              </a:rPr>
-              <a:t> gives shape to your data and is the extensible user interface for configuring and managing all aspects of the Elastic Stack.</a:t>
-            </a:r>
-            <a:endParaRPr lang="en-US" dirty="0"/>
-          </a:p>
-        </p:txBody>
-      </p:sp>
-    </p:spTree>
-    <p:extLst>
-      <p:ext uri="{BB962C8B-B14F-4D97-AF65-F5344CB8AC3E}">
-        <p14:creationId xmlns:p14="http://schemas.microsoft.com/office/powerpoint/2010/main" val="2570349308"/>
-      </p:ext>
-    </p:extLst>
-  </p:cSld>
-  <p:clrMapOvr>
-    <a:masterClrMapping/>
-  </p:clrMapOvr>
-  <p:timing>
-    <p:tnLst>
-      <p:par>
-        <p:cTn id="1" dur="indefinite" restart="never" nodeType="tmRoot">
-          <p:childTnLst>
-            <p:seq concurrent="1" nextAc="seek">
-              <p:cTn id="2" dur="indefinite" nodeType="mainSeq">
-                <p:childTnLst>
-                  <p:par>
-                    <p:cTn id="3" fill="hold">
-                      <p:stCondLst>
-                        <p:cond delay="indefinite"/>
-                      </p:stCondLst>
-                      <p:childTnLst>
-                        <p:par>
-                          <p:cTn id="4" fill="hold">
-                            <p:stCondLst>
-                              <p:cond delay="0"/>
-                            </p:stCondLst>
-                            <p:childTnLst>
-                              <p:par>
-                                <p:cTn id="5" presetID="10" presetClass="entr" presetSubtype="0" fill="hold" grpId="0" nodeType="clickEffect">
-                                  <p:stCondLst>
-                                    <p:cond delay="0"/>
-                                  </p:stCondLst>
-                                  <p:childTnLst>
-                                    <p:set>
-                                      <p:cBhvr>
-                                        <p:cTn id="6" dur="1" fill="hold">
-                                          <p:stCondLst>
-                                            <p:cond delay="0"/>
-                                          </p:stCondLst>
-                                        </p:cTn>
-                                        <p:tgtEl>
-                                          <p:spTgt spid="8">
-                                            <p:txEl>
-                                              <p:pRg st="0" end="0"/>
-                                            </p:txEl>
-                                          </p:spTgt>
-                                        </p:tgtEl>
-                                        <p:attrNameLst>
-                                          <p:attrName>style.visibility</p:attrName>
-                                        </p:attrNameLst>
-                                      </p:cBhvr>
-                                      <p:to>
-                                        <p:strVal val="visible"/>
-                                      </p:to>
-                                    </p:set>
-                                    <p:animEffect transition="in" filter="fade">
-                                      <p:cBhvr>
-                                        <p:cTn id="7" dur="500"/>
-                                        <p:tgtEl>
-                                          <p:spTgt spid="8">
-                                            <p:txEl>
-                                              <p:pRg st="0" end="0"/>
-                                            </p:txEl>
-                                          </p:spTgt>
-                                        </p:tgtEl>
-                                      </p:cBhvr>
-                                    </p:animEffect>
-                                  </p:childTnLst>
-                                </p:cTn>
-                              </p:par>
-                            </p:childTnLst>
-                          </p:cTn>
-                        </p:par>
-                      </p:childTnLst>
-                    </p:cTn>
-                  </p:par>
-                  <p:par>
-                    <p:cTn id="8" fill="hold">
-                      <p:stCondLst>
-                        <p:cond delay="indefinite"/>
-                      </p:stCondLst>
-                      <p:childTnLst>
-                        <p:par>
-                          <p:cTn id="9" fill="hold">
-                            <p:stCondLst>
-                              <p:cond delay="0"/>
-                            </p:stCondLst>
-                            <p:childTnLst>
-                              <p:par>
-                                <p:cTn id="10" presetID="10" presetClass="entr" presetSubtype="0" fill="hold" nodeType="clickEffect">
-                                  <p:stCondLst>
-                                    <p:cond delay="0"/>
-                                  </p:stCondLst>
-                                  <p:childTnLst>
-                                    <p:set>
-                                      <p:cBhvr>
-                                        <p:cTn id="11" dur="1" fill="hold">
-                                          <p:stCondLst>
-                                            <p:cond delay="0"/>
-                                          </p:stCondLst>
-                                        </p:cTn>
-                                        <p:tgtEl>
-                                          <p:spTgt spid="1026"/>
-                                        </p:tgtEl>
-                                        <p:attrNameLst>
-                                          <p:attrName>style.visibility</p:attrName>
-                                        </p:attrNameLst>
-                                      </p:cBhvr>
-                                      <p:to>
-                                        <p:strVal val="visible"/>
-                                      </p:to>
-                                    </p:set>
-                                    <p:animEffect transition="in" filter="fade">
-                                      <p:cBhvr>
-                                        <p:cTn id="12" dur="500"/>
-                                        <p:tgtEl>
-                                          <p:spTgt spid="1026"/>
-                                        </p:tgtEl>
-                                      </p:cBhvr>
-                                    </p:animEffect>
-                                  </p:childTnLst>
-                                </p:cTn>
-                              </p:par>
-                            </p:childTnLst>
-                          </p:cTn>
-                        </p:par>
-                      </p:childTnLst>
-                    </p:cTn>
-                  </p:par>
-                  <p:par>
-                    <p:cTn id="13" fill="hold">
-                      <p:stCondLst>
-                        <p:cond delay="indefinite"/>
-                      </p:stCondLst>
-                      <p:childTnLst>
-                        <p:par>
-                          <p:cTn id="14" fill="hold">
-                            <p:stCondLst>
-                              <p:cond delay="0"/>
-                            </p:stCondLst>
-                            <p:childTnLst>
-                              <p:par>
-                                <p:cTn id="15" presetID="10" presetClass="entr" presetSubtype="0" fill="hold" grpId="0" nodeType="clickEffect">
-                                  <p:stCondLst>
-                                    <p:cond delay="0"/>
-                                  </p:stCondLst>
-                                  <p:childTnLst>
-                                    <p:set>
-                                      <p:cBhvr>
-                                        <p:cTn id="16" dur="1" fill="hold">
-                                          <p:stCondLst>
-                                            <p:cond delay="0"/>
-                                          </p:stCondLst>
-                                        </p:cTn>
-                                        <p:tgtEl>
-                                          <p:spTgt spid="3"/>
-                                        </p:tgtEl>
-                                        <p:attrNameLst>
-                                          <p:attrName>style.visibility</p:attrName>
-                                        </p:attrNameLst>
-                                      </p:cBhvr>
-                                      <p:to>
-                                        <p:strVal val="visible"/>
-                                      </p:to>
-                                    </p:set>
-                                    <p:animEffect transition="in" filter="fade">
-                                      <p:cBhvr>
-                                        <p:cTn id="17" dur="500"/>
-                                        <p:tgtEl>
-                                          <p:spTgt spid="3"/>
-                                        </p:tgtEl>
-                                      </p:cBhvr>
-                                    </p:animEffect>
-                                  </p:childTnLst>
-                                </p:cTn>
-                              </p:par>
-                            </p:childTnLst>
-                          </p:cTn>
-                        </p:par>
-                      </p:childTnLst>
-                    </p:cTn>
-                  </p:par>
-                  <p:par>
-                    <p:cTn id="18" fill="hold">
-                      <p:stCondLst>
-                        <p:cond delay="indefinite"/>
-                      </p:stCondLst>
-                      <p:childTnLst>
-                        <p:par>
-                          <p:cTn id="19" fill="hold">
-                            <p:stCondLst>
-                              <p:cond delay="0"/>
-                            </p:stCondLst>
-                            <p:childTnLst>
-                              <p:par>
-                                <p:cTn id="20" presetID="10" presetClass="entr" presetSubtype="0" fill="hold" grpId="0" nodeType="clickEffect">
-                                  <p:stCondLst>
-                                    <p:cond delay="0"/>
-                                  </p:stCondLst>
-                                  <p:childTnLst>
-                                    <p:set>
-                                      <p:cBhvr>
-                                        <p:cTn id="21" dur="1" fill="hold">
-                                          <p:stCondLst>
-                                            <p:cond delay="0"/>
-                                          </p:stCondLst>
-                                        </p:cTn>
-                                        <p:tgtEl>
-                                          <p:spTgt spid="5"/>
-                                        </p:tgtEl>
-                                        <p:attrNameLst>
-                                          <p:attrName>style.visibility</p:attrName>
-                                        </p:attrNameLst>
-                                      </p:cBhvr>
-                                      <p:to>
-                                        <p:strVal val="visible"/>
-                                      </p:to>
-                                    </p:set>
-                                    <p:animEffect transition="in" filter="fade">
-                                      <p:cBhvr>
-                                        <p:cTn id="22" dur="500"/>
-                                        <p:tgtEl>
-                                          <p:spTgt spid="5"/>
-                                        </p:tgtEl>
-                                      </p:cBhvr>
-                                    </p:animEffect>
-                                  </p:childTnLst>
-                                </p:cTn>
-                              </p:par>
-                            </p:childTnLst>
-                          </p:cTn>
-                        </p:par>
-                      </p:childTnLst>
-                    </p:cTn>
-                  </p:par>
-                  <p:par>
-                    <p:cTn id="23" fill="hold">
-                      <p:stCondLst>
-                        <p:cond delay="indefinite"/>
-                      </p:stCondLst>
-                      <p:childTnLst>
-                        <p:par>
-                          <p:cTn id="24" fill="hold">
-                            <p:stCondLst>
-                              <p:cond delay="0"/>
-                            </p:stCondLst>
-                            <p:childTnLst>
-                              <p:par>
-                                <p:cTn id="25" presetID="10" presetClass="entr" presetSubtype="0" fill="hold" grpId="0" nodeType="clickEffect">
-                                  <p:stCondLst>
-                                    <p:cond delay="0"/>
-                                  </p:stCondLst>
-                                  <p:childTnLst>
-                                    <p:set>
-                                      <p:cBhvr>
-                                        <p:cTn id="26" dur="1" fill="hold">
-                                          <p:stCondLst>
-                                            <p:cond delay="0"/>
-                                          </p:stCondLst>
-                                        </p:cTn>
-                                        <p:tgtEl>
-                                          <p:spTgt spid="7"/>
-                                        </p:tgtEl>
-                                        <p:attrNameLst>
-                                          <p:attrName>style.visibility</p:attrName>
-                                        </p:attrNameLst>
-                                      </p:cBhvr>
-                                      <p:to>
-                                        <p:strVal val="visible"/>
-                                      </p:to>
-                                    </p:set>
-                                    <p:animEffect transition="in" filter="fade">
-                                      <p:cBhvr>
-                                        <p:cTn id="27" dur="500"/>
-                                        <p:tgtEl>
-                                          <p:spTgt spid="7"/>
-                                        </p:tgtEl>
-                                      </p:cBhvr>
-                                    </p:animEffect>
-                                  </p:childTnLst>
-                                </p:cTn>
-                              </p:par>
-                            </p:childTnLst>
-                          </p:cTn>
-                        </p:par>
-                      </p:childTnLst>
-                    </p:cTn>
-                  </p:par>
-                </p:childTnLst>
-              </p:cTn>
-              <p:prevCondLst>
-                <p:cond evt="onPrev" delay="0">
-                  <p:tgtEl>
-                    <p:sldTgt/>
-                  </p:tgtEl>
-                </p:cond>
-              </p:prevCondLst>
-              <p:nextCondLst>
-                <p:cond evt="onNext" delay="0">
-                  <p:tgtEl>
-                    <p:sldTgt/>
-                  </p:tgtEl>
-                </p:cond>
-              </p:nextCondLst>
-            </p:seq>
-          </p:childTnLst>
-        </p:cTn>
-      </p:par>
-    </p:tnLst>
-    <p:bldLst>
-      <p:bldP spid="8" grpId="0" build="p"/>
-      <p:bldP spid="3" grpId="0"/>
-      <p:bldP spid="5" grpId="0"/>
-      <p:bldP spid="7" grpId="0"/>
-    </p:bldLst>
-  </p:timing>
-</p:sld>
-</file>
-
-<file path=ppt/slides/slide31.xml><?xml version="1.0" encoding="utf-8"?>
-<p:sld xmlns:a="http://schemas.openxmlformats.org/drawingml/2006/main" xmlns:r="http://schemas.openxmlformats.org/officeDocument/2006/relationships" xmlns:p="http://schemas.openxmlformats.org/presentationml/2006/main">
-  <p:cSld>
-    <p:spTree>
-      <p:nvGrpSpPr>
-        <p:cNvPr id="1" name=""/>
-        <p:cNvGrpSpPr/>
-        <p:nvPr/>
-      </p:nvGrpSpPr>
-      <p:grpSpPr>
-        <a:xfrm>
-          <a:off x="0" y="0"/>
-          <a:ext cx="0" cy="0"/>
-          <a:chOff x="0" y="0"/>
-          <a:chExt cx="0" cy="0"/>
-        </a:xfrm>
-      </p:grpSpPr>
-      <p:sp>
-        <p:nvSpPr>
-          <p:cNvPr id="2" name="TextBox 1"/>
-          <p:cNvSpPr txBox="1"/>
-          <p:nvPr/>
-        </p:nvSpPr>
-        <p:spPr>
-          <a:xfrm>
-            <a:off x="-1678214" y="172358"/>
-            <a:ext cx="138548" cy="318549"/>
-          </a:xfrm>
-          <a:prstGeom prst="rect">
-            <a:avLst/>
-          </a:prstGeom>
-          <a:noFill/>
-        </p:spPr>
-        <p:txBody>
-          <a:bodyPr wrap="none" lIns="68580" tIns="34290" rIns="68580" bIns="34290" rtlCol="0">
-            <a:spAutoFit/>
-          </a:bodyPr>
-          <a:lstStyle/>
-          <a:p>
-            <a:pPr>
-              <a:lnSpc>
-                <a:spcPct val="120000"/>
-              </a:lnSpc>
-            </a:pPr>
-            <a:endParaRPr lang="en-US" dirty="0" err="1">
-              <a:solidFill>
-                <a:srgbClr val="444444"/>
-              </a:solidFill>
-              <a:latin typeface="Trebuchet MS"/>
-              <a:cs typeface="Trebuchet MS"/>
-            </a:endParaRPr>
-          </a:p>
-        </p:txBody>
-      </p:sp>
-      <p:sp>
-        <p:nvSpPr>
-          <p:cNvPr id="3" name="Text Placeholder 2"/>
-          <p:cNvSpPr>
-            <a:spLocks noGrp="1"/>
-          </p:cNvSpPr>
-          <p:nvPr>
-            <p:ph type="body" sz="quarter" idx="10"/>
-          </p:nvPr>
-        </p:nvSpPr>
-        <p:spPr/>
-        <p:txBody>
-          <a:bodyPr/>
-          <a:lstStyle/>
-          <a:p>
-            <a:endParaRPr lang="en-US"/>
-          </a:p>
-        </p:txBody>
-      </p:sp>
-      <p:sp>
-        <p:nvSpPr>
-          <p:cNvPr id="4" name="Content Placeholder 3"/>
-          <p:cNvSpPr>
-            <a:spLocks noGrp="1"/>
-          </p:cNvSpPr>
-          <p:nvPr>
-            <p:ph idx="1"/>
-          </p:nvPr>
-        </p:nvSpPr>
-        <p:spPr/>
-        <p:txBody>
-          <a:bodyPr/>
-          <a:lstStyle/>
-          <a:p>
-            <a:endParaRPr lang="en-US"/>
-          </a:p>
-        </p:txBody>
-      </p:sp>
-      <p:pic>
-        <p:nvPicPr>
-          <p:cNvPr id="2050" name="Picture 2" descr="http://anderikistan.com/wp-content/uploads/2016/03/KibanaDashboard.png"/>
-          <p:cNvPicPr>
-            <a:picLocks noChangeAspect="1" noChangeArrowheads="1"/>
-          </p:cNvPicPr>
-          <p:nvPr/>
-        </p:nvPicPr>
-        <p:blipFill>
-          <a:blip r:embed="rId3">
-            <a:extLst>
-              <a:ext uri="{28A0092B-C50C-407E-A947-70E740481C1C}">
-                <a14:useLocalDpi xmlns:a14="http://schemas.microsoft.com/office/drawing/2010/main" val="0"/>
-              </a:ext>
-            </a:extLst>
-          </a:blip>
-          <a:srcRect/>
-          <a:stretch>
-            <a:fillRect/>
-          </a:stretch>
-        </p:blipFill>
-        <p:spPr bwMode="auto">
-          <a:xfrm>
-            <a:off x="0" y="0"/>
-            <a:ext cx="9158748" cy="4865676"/>
-          </a:xfrm>
-          <a:prstGeom prst="rect">
-            <a:avLst/>
-          </a:prstGeom>
-          <a:noFill/>
-          <a:extLst>
-            <a:ext uri="{909E8E84-426E-40DD-AFC4-6F175D3DCCD1}">
-              <a14:hiddenFill xmlns:a14="http://schemas.microsoft.com/office/drawing/2010/main">
-                <a:solidFill>
-                  <a:srgbClr val="FFFFFF"/>
-                </a:solidFill>
-              </a14:hiddenFill>
-            </a:ext>
-          </a:extLst>
-        </p:spPr>
-      </p:pic>
-    </p:spTree>
-    <p:extLst>
-      <p:ext uri="{BB962C8B-B14F-4D97-AF65-F5344CB8AC3E}">
-        <p14:creationId xmlns:p14="http://schemas.microsoft.com/office/powerpoint/2010/main" val="4098245389"/>
-      </p:ext>
-    </p:extLst>
-  </p:cSld>
-  <p:clrMapOvr>
-    <a:masterClrMapping/>
-  </p:clrMapOvr>
-</p:sld>
-</file>
-
-<file path=ppt/slides/slide32.xml><?xml version="1.0" encoding="utf-8"?>
-<p:sld xmlns:a="http://schemas.openxmlformats.org/drawingml/2006/main" xmlns:r="http://schemas.openxmlformats.org/officeDocument/2006/relationships" xmlns:p="http://schemas.openxmlformats.org/presentationml/2006/main">
-  <p:cSld>
-    <p:spTree>
-      <p:nvGrpSpPr>
-        <p:cNvPr id="1" name=""/>
-        <p:cNvGrpSpPr/>
-        <p:nvPr/>
-      </p:nvGrpSpPr>
-      <p:grpSpPr>
-        <a:xfrm>
-          <a:off x="0" y="0"/>
-          <a:ext cx="0" cy="0"/>
-          <a:chOff x="0" y="0"/>
-          <a:chExt cx="0" cy="0"/>
-        </a:xfrm>
-      </p:grpSpPr>
-      <p:sp>
-        <p:nvSpPr>
-          <p:cNvPr id="2" name="Text Placeholder 1"/>
-          <p:cNvSpPr>
-            <a:spLocks noGrp="1"/>
-          </p:cNvSpPr>
-          <p:nvPr>
-            <p:ph type="body" sz="quarter" idx="10"/>
-          </p:nvPr>
-        </p:nvSpPr>
-        <p:spPr/>
-        <p:txBody>
-          <a:bodyPr/>
-          <a:lstStyle/>
-          <a:p>
-            <a:endParaRPr lang="en-US"/>
-          </a:p>
-        </p:txBody>
-      </p:sp>
-      <p:sp>
-        <p:nvSpPr>
-          <p:cNvPr id="3" name="Content Placeholder 2"/>
-          <p:cNvSpPr>
-            <a:spLocks noGrp="1"/>
-          </p:cNvSpPr>
-          <p:nvPr>
-            <p:ph idx="1"/>
-          </p:nvPr>
-        </p:nvSpPr>
-        <p:spPr/>
-        <p:txBody>
-          <a:bodyPr/>
-          <a:lstStyle/>
-          <a:p>
-            <a:endParaRPr lang="en-US"/>
-          </a:p>
-        </p:txBody>
-      </p:sp>
-      <p:pic>
-        <p:nvPicPr>
-          <p:cNvPr id="3074" name="Picture 2" descr="http://www.micheloosterhof.com/images/kippo-kibana-users.png"/>
-          <p:cNvPicPr>
-            <a:picLocks noChangeAspect="1" noChangeArrowheads="1"/>
-          </p:cNvPicPr>
-          <p:nvPr/>
-        </p:nvPicPr>
-        <p:blipFill>
-          <a:blip r:embed="rId2">
-            <a:extLst>
-              <a:ext uri="{28A0092B-C50C-407E-A947-70E740481C1C}">
-                <a14:useLocalDpi xmlns:a14="http://schemas.microsoft.com/office/drawing/2010/main" val="0"/>
-              </a:ext>
-            </a:extLst>
-          </a:blip>
-          <a:srcRect/>
-          <a:stretch>
-            <a:fillRect/>
-          </a:stretch>
-        </p:blipFill>
-        <p:spPr bwMode="auto">
-          <a:xfrm>
-            <a:off x="0" y="-191"/>
-            <a:ext cx="9144000" cy="4854131"/>
-          </a:xfrm>
-          <a:prstGeom prst="rect">
-            <a:avLst/>
-          </a:prstGeom>
-          <a:noFill/>
-          <a:extLst>
-            <a:ext uri="{909E8E84-426E-40DD-AFC4-6F175D3DCCD1}">
-              <a14:hiddenFill xmlns:a14="http://schemas.microsoft.com/office/drawing/2010/main">
-                <a:solidFill>
-                  <a:srgbClr val="FFFFFF"/>
-                </a:solidFill>
-              </a14:hiddenFill>
-            </a:ext>
-          </a:extLst>
-        </p:spPr>
-      </p:pic>
-    </p:spTree>
-    <p:extLst>
-      <p:ext uri="{BB962C8B-B14F-4D97-AF65-F5344CB8AC3E}">
-        <p14:creationId xmlns:p14="http://schemas.microsoft.com/office/powerpoint/2010/main" val="540449749"/>
-      </p:ext>
-    </p:extLst>
-  </p:cSld>
-  <p:clrMapOvr>
-    <a:masterClrMapping/>
-  </p:clrMapOvr>
-</p:sld>
-</file>
-
-<file path=ppt/slides/slide33.xml><?xml version="1.0" encoding="utf-8"?>
-<p:sld xmlns:a="http://schemas.openxmlformats.org/drawingml/2006/main" xmlns:r="http://schemas.openxmlformats.org/officeDocument/2006/relationships" xmlns:p="http://schemas.openxmlformats.org/presentationml/2006/main">
-  <p:cSld>
-    <p:spTree>
-      <p:nvGrpSpPr>
-        <p:cNvPr id="1" name=""/>
-        <p:cNvGrpSpPr/>
-        <p:nvPr/>
-      </p:nvGrpSpPr>
-      <p:grpSpPr>
-        <a:xfrm>
-          <a:off x="0" y="0"/>
-          <a:ext cx="0" cy="0"/>
-          <a:chOff x="0" y="0"/>
-          <a:chExt cx="0" cy="0"/>
-        </a:xfrm>
-      </p:grpSpPr>
-      <p:sp>
-        <p:nvSpPr>
-          <p:cNvPr id="2" name="Text Placeholder 1"/>
-          <p:cNvSpPr>
-            <a:spLocks noGrp="1"/>
-          </p:cNvSpPr>
-          <p:nvPr>
-            <p:ph type="body" sz="quarter" idx="10"/>
-          </p:nvPr>
-        </p:nvSpPr>
-        <p:spPr/>
-        <p:txBody>
-          <a:bodyPr/>
-          <a:lstStyle/>
-          <a:p>
-            <a:endParaRPr lang="en-US"/>
-          </a:p>
-        </p:txBody>
-      </p:sp>
-      <p:sp>
-        <p:nvSpPr>
-          <p:cNvPr id="3" name="Content Placeholder 2"/>
-          <p:cNvSpPr>
-            <a:spLocks noGrp="1"/>
-          </p:cNvSpPr>
-          <p:nvPr>
-            <p:ph idx="1"/>
-          </p:nvPr>
-        </p:nvSpPr>
-        <p:spPr/>
-        <p:txBody>
-          <a:bodyPr/>
-          <a:lstStyle/>
-          <a:p>
-            <a:endParaRPr lang="en-US"/>
-          </a:p>
-        </p:txBody>
-      </p:sp>
-      <p:pic>
-        <p:nvPicPr>
-          <p:cNvPr id="4098" name="Picture 2" descr="http://1.bp.blogspot.com/-JwLGk7bYsyw/U53xckwpMSI/AAAAAAAAADU/AZJG7s3S-a0/s1600/queriesbyshard_1.png"/>
-          <p:cNvPicPr>
-            <a:picLocks noChangeAspect="1" noChangeArrowheads="1"/>
-          </p:cNvPicPr>
-          <p:nvPr/>
-        </p:nvPicPr>
-        <p:blipFill rotWithShape="1">
-          <a:blip r:embed="rId3">
-            <a:extLst>
-              <a:ext uri="{28A0092B-C50C-407E-A947-70E740481C1C}">
-                <a14:useLocalDpi xmlns:a14="http://schemas.microsoft.com/office/drawing/2010/main" val="0"/>
-              </a:ext>
-            </a:extLst>
-          </a:blip>
-          <a:srcRect b="5143"/>
-          <a:stretch/>
-        </p:blipFill>
-        <p:spPr bwMode="auto">
-          <a:xfrm>
-            <a:off x="0" y="0"/>
-            <a:ext cx="9148465" cy="4878977"/>
-          </a:xfrm>
-          <a:prstGeom prst="rect">
-            <a:avLst/>
-          </a:prstGeom>
-          <a:noFill/>
-          <a:extLst>
-            <a:ext uri="{909E8E84-426E-40DD-AFC4-6F175D3DCCD1}">
-              <a14:hiddenFill xmlns:a14="http://schemas.microsoft.com/office/drawing/2010/main">
-                <a:solidFill>
-                  <a:srgbClr val="FFFFFF"/>
-                </a:solidFill>
-              </a14:hiddenFill>
-            </a:ext>
-          </a:extLst>
-        </p:spPr>
-      </p:pic>
-    </p:spTree>
-    <p:extLst>
-      <p:ext uri="{BB962C8B-B14F-4D97-AF65-F5344CB8AC3E}">
-        <p14:creationId xmlns:p14="http://schemas.microsoft.com/office/powerpoint/2010/main" val="1497643399"/>
-      </p:ext>
-    </p:extLst>
-  </p:cSld>
-  <p:clrMapOvr>
-    <a:masterClrMapping/>
-  </p:clrMapOvr>
-</p:sld>
-</file>
-
-<file path=ppt/slides/slide34.xml><?xml version="1.0" encoding="utf-8"?>
-<p:sld xmlns:a="http://schemas.openxmlformats.org/drawingml/2006/main" xmlns:r="http://schemas.openxmlformats.org/officeDocument/2006/relationships" xmlns:p="http://schemas.openxmlformats.org/presentationml/2006/main">
-  <p:cSld>
-    <p:spTree>
-      <p:nvGrpSpPr>
-        <p:cNvPr id="1" name=""/>
-        <p:cNvGrpSpPr/>
-        <p:nvPr/>
-      </p:nvGrpSpPr>
-      <p:grpSpPr>
-        <a:xfrm>
-          <a:off x="0" y="0"/>
-          <a:ext cx="0" cy="0"/>
-          <a:chOff x="0" y="0"/>
-          <a:chExt cx="0" cy="0"/>
-        </a:xfrm>
-      </p:grpSpPr>
-      <p:sp>
-        <p:nvSpPr>
-          <p:cNvPr id="9" name="Text Placeholder 8"/>
-          <p:cNvSpPr>
-            <a:spLocks noGrp="1"/>
-          </p:cNvSpPr>
-          <p:nvPr>
-            <p:ph type="body" sz="quarter" idx="10"/>
-          </p:nvPr>
-        </p:nvSpPr>
-        <p:spPr>
-          <a:xfrm>
-            <a:off x="632881" y="1417371"/>
-            <a:ext cx="7450669" cy="1732229"/>
-          </a:xfrm>
-        </p:spPr>
-        <p:txBody>
-          <a:bodyPr>
-            <a:noAutofit/>
-          </a:bodyPr>
-          <a:lstStyle/>
-          <a:p>
-            <a:r>
-              <a:rPr lang="en-US" dirty="0"/>
-              <a:t>AZURE APP </a:t>
-            </a:r>
-            <a:r>
-              <a:rPr lang="en-US" dirty="0" err="1"/>
-              <a:t>INSIGHtS</a:t>
-            </a:r>
-            <a:endParaRPr lang="en-US" b="1" dirty="0"/>
-          </a:p>
-        </p:txBody>
-      </p:sp>
-      <p:pic>
-        <p:nvPicPr>
-          <p:cNvPr id="17" name="Picture Placeholder 16" descr="logo_cover_4.png"/>
-          <p:cNvPicPr>
-            <a:picLocks noGrp="1" noChangeAspect="1"/>
-          </p:cNvPicPr>
-          <p:nvPr>
-            <p:ph type="pic" sz="quarter" idx="18"/>
-          </p:nvPr>
-        </p:nvPicPr>
-        <p:blipFill>
-          <a:blip r:embed="rId3" cstate="screen">
-            <a:extLst>
-              <a:ext uri="{28A0092B-C50C-407E-A947-70E740481C1C}">
-                <a14:useLocalDpi xmlns:a14="http://schemas.microsoft.com/office/drawing/2010/main"/>
-              </a:ext>
-            </a:extLst>
-          </a:blip>
-          <a:srcRect t="3538" b="3538"/>
-          <a:stretch>
-            <a:fillRect/>
-          </a:stretch>
-        </p:blipFill>
-        <p:spPr/>
-      </p:pic>
-    </p:spTree>
-    <p:extLst>
-      <p:ext uri="{BB962C8B-B14F-4D97-AF65-F5344CB8AC3E}">
-        <p14:creationId xmlns:p14="http://schemas.microsoft.com/office/powerpoint/2010/main" val="57864936"/>
-      </p:ext>
-    </p:extLst>
-  </p:cSld>
-  <p:clrMapOvr>
-    <a:masterClrMapping/>
-  </p:clrMapOvr>
-</p:sld>
-</file>
-
-<file path=ppt/slides/slide35.xml><?xml version="1.0" encoding="utf-8"?>
-<p:sld xmlns:a="http://schemas.openxmlformats.org/drawingml/2006/main" xmlns:r="http://schemas.openxmlformats.org/officeDocument/2006/relationships" xmlns:p="http://schemas.openxmlformats.org/presentationml/2006/main">
-  <p:cSld>
-    <p:spTree>
-      <p:nvGrpSpPr>
-        <p:cNvPr id="1" name=""/>
-        <p:cNvGrpSpPr/>
-        <p:nvPr/>
-      </p:nvGrpSpPr>
-      <p:grpSpPr>
-        <a:xfrm>
-          <a:off x="0" y="0"/>
-          <a:ext cx="0" cy="0"/>
-          <a:chOff x="0" y="0"/>
-          <a:chExt cx="0" cy="0"/>
-        </a:xfrm>
-      </p:grpSpPr>
-      <p:pic>
-        <p:nvPicPr>
-          <p:cNvPr id="1026" name="Picture 2" descr="https://winblogs.azureedge.net/win/2015/04/VS10.png"/>
-          <p:cNvPicPr>
-            <a:picLocks noChangeAspect="1" noChangeArrowheads="1"/>
-          </p:cNvPicPr>
-          <p:nvPr/>
-        </p:nvPicPr>
-        <p:blipFill>
-          <a:blip r:embed="rId2">
-            <a:extLst>
-              <a:ext uri="{28A0092B-C50C-407E-A947-70E740481C1C}">
-                <a14:useLocalDpi xmlns:a14="http://schemas.microsoft.com/office/drawing/2010/main" val="0"/>
-              </a:ext>
-            </a:extLst>
-          </a:blip>
-          <a:srcRect/>
-          <a:stretch>
-            <a:fillRect/>
-          </a:stretch>
-        </p:blipFill>
-        <p:spPr bwMode="auto">
-          <a:xfrm>
-            <a:off x="0" y="1"/>
-            <a:ext cx="9144000" cy="4857750"/>
-          </a:xfrm>
-          <a:prstGeom prst="rect">
-            <a:avLst/>
-          </a:prstGeom>
-          <a:noFill/>
-          <a:extLst>
-            <a:ext uri="{909E8E84-426E-40DD-AFC4-6F175D3DCCD1}">
-              <a14:hiddenFill xmlns:a14="http://schemas.microsoft.com/office/drawing/2010/main">
-                <a:solidFill>
-                  <a:srgbClr val="FFFFFF"/>
-                </a:solidFill>
-              </a14:hiddenFill>
-            </a:ext>
-          </a:extLst>
-        </p:spPr>
-      </p:pic>
-    </p:spTree>
-    <p:extLst>
-      <p:ext uri="{BB962C8B-B14F-4D97-AF65-F5344CB8AC3E}">
-        <p14:creationId xmlns:p14="http://schemas.microsoft.com/office/powerpoint/2010/main" val="3949444081"/>
-      </p:ext>
-    </p:extLst>
-  </p:cSld>
-  <p:clrMapOvr>
-    <a:masterClrMapping/>
-  </p:clrMapOvr>
-</p:sld>
-</file>
-
-<file path=ppt/slides/slide36.xml><?xml version="1.0" encoding="utf-8"?>
 <p:sld xmlns:a="http://schemas.openxmlformats.org/drawingml/2006/main" xmlns:r="http://schemas.openxmlformats.org/officeDocument/2006/relationships" xmlns:p="http://schemas.openxmlformats.org/presentationml/2006/main">
   <p:cSld>
     <p:spTree>
@@ -14841,10 +13248,17 @@
   <p:clrMapOvr>
     <a:masterClrMapping/>
   </p:clrMapOvr>
+  <p:timing>
+    <p:tnLst>
+      <p:par>
+        <p:cTn id="1" dur="indefinite" restart="never" nodeType="tmRoot"/>
+      </p:par>
+    </p:tnLst>
+  </p:timing>
 </p:sld>
 </file>
 
-<file path=ppt/slides/slide37.xml><?xml version="1.0" encoding="utf-8"?>
+<file path=ppt/slides/slide31.xml><?xml version="1.0" encoding="utf-8"?>
 <p:sld xmlns:a="http://schemas.openxmlformats.org/drawingml/2006/main" xmlns:r="http://schemas.openxmlformats.org/officeDocument/2006/relationships" xmlns:p="http://schemas.openxmlformats.org/presentationml/2006/main">
   <p:cSld>
     <p:spTree>
@@ -14971,10 +13385,17 @@
   <p:clrMapOvr>
     <a:masterClrMapping/>
   </p:clrMapOvr>
+  <p:timing>
+    <p:tnLst>
+      <p:par>
+        <p:cTn id="1" dur="indefinite" restart="never" nodeType="tmRoot"/>
+      </p:par>
+    </p:tnLst>
+  </p:timing>
 </p:sld>
 </file>
 
-<file path=ppt/slides/slide38.xml><?xml version="1.0" encoding="utf-8"?>
+<file path=ppt/slides/slide32.xml><?xml version="1.0" encoding="utf-8"?>
 <p:sld xmlns:a="http://schemas.openxmlformats.org/drawingml/2006/main" xmlns:r="http://schemas.openxmlformats.org/officeDocument/2006/relationships" xmlns:p="http://schemas.openxmlformats.org/presentationml/2006/main">
   <p:cSld>
     <p:spTree>
@@ -15104,10 +13525,17 @@
   <p:clrMapOvr>
     <a:masterClrMapping/>
   </p:clrMapOvr>
+  <p:timing>
+    <p:tnLst>
+      <p:par>
+        <p:cTn id="1" dur="indefinite" restart="never" nodeType="tmRoot"/>
+      </p:par>
+    </p:tnLst>
+  </p:timing>
 </p:sld>
 </file>
 
-<file path=ppt/slides/slide39.xml><?xml version="1.0" encoding="utf-8"?>
+<file path=ppt/slides/slide33.xml><?xml version="1.0" encoding="utf-8"?>
 <p:sld xmlns:a="http://schemas.openxmlformats.org/drawingml/2006/main" xmlns:r="http://schemas.openxmlformats.org/officeDocument/2006/relationships" xmlns:p="http://schemas.openxmlformats.org/presentationml/2006/main">
   <p:cSld>
     <p:spTree>
@@ -15229,676 +13657,17 @@
   <p:clrMapOvr>
     <a:masterClrMapping/>
   </p:clrMapOvr>
+  <p:timing>
+    <p:tnLst>
+      <p:par>
+        <p:cTn id="1" dur="indefinite" restart="never" nodeType="tmRoot"/>
+      </p:par>
+    </p:tnLst>
+  </p:timing>
 </p:sld>
 </file>
 
-<file path=ppt/slides/slide4.xml><?xml version="1.0" encoding="utf-8"?>
-<p:sld xmlns:a="http://schemas.openxmlformats.org/drawingml/2006/main" xmlns:r="http://schemas.openxmlformats.org/officeDocument/2006/relationships" xmlns:p="http://schemas.openxmlformats.org/presentationml/2006/main">
-  <p:cSld>
-    <p:spTree>
-      <p:nvGrpSpPr>
-        <p:cNvPr id="1" name=""/>
-        <p:cNvGrpSpPr/>
-        <p:nvPr/>
-      </p:nvGrpSpPr>
-      <p:grpSpPr>
-        <a:xfrm>
-          <a:off x="0" y="0"/>
-          <a:ext cx="0" cy="0"/>
-          <a:chOff x="0" y="0"/>
-          <a:chExt cx="0" cy="0"/>
-        </a:xfrm>
-      </p:grpSpPr>
-      <p:sp>
-        <p:nvSpPr>
-          <p:cNvPr id="6" name="Text Placeholder 5"/>
-          <p:cNvSpPr>
-            <a:spLocks noGrp="1"/>
-          </p:cNvSpPr>
-          <p:nvPr>
-            <p:ph type="body" sz="quarter" idx="10"/>
-          </p:nvPr>
-        </p:nvSpPr>
-        <p:spPr/>
-        <p:txBody>
-          <a:bodyPr>
-            <a:normAutofit/>
-          </a:bodyPr>
-          <a:lstStyle/>
-          <a:p>
-            <a:pPr>
-              <a:buClr>
-                <a:schemeClr val="bg1"/>
-              </a:buClr>
-              <a:buSzPct val="140000"/>
-            </a:pPr>
-            <a:r>
-              <a:rPr lang="en-US" dirty="0">
-                <a:solidFill>
-                  <a:srgbClr val="444444"/>
-                </a:solidFill>
-                <a:latin typeface="Trebuchet MS"/>
-                <a:cs typeface="Trebuchet MS"/>
-              </a:rPr>
-              <a:t>Logs purpose and value</a:t>
-            </a:r>
-          </a:p>
-        </p:txBody>
-      </p:sp>
-      <p:sp>
-        <p:nvSpPr>
-          <p:cNvPr id="8" name="Content Placeholder 7"/>
-          <p:cNvSpPr>
-            <a:spLocks noGrp="1"/>
-          </p:cNvSpPr>
-          <p:nvPr>
-            <p:ph idx="1"/>
-          </p:nvPr>
-        </p:nvSpPr>
-        <p:spPr/>
-        <p:txBody>
-          <a:bodyPr>
-            <a:normAutofit/>
-          </a:bodyPr>
-          <a:lstStyle/>
-          <a:p>
-            <a:r>
-              <a:rPr lang="en-US" dirty="0">
-                <a:latin typeface="Trebuchet MS"/>
-                <a:cs typeface="Trebuchet MS"/>
-              </a:rPr>
-              <a:t>Purpose of the logging framework is to answer questions what happened to the system. </a:t>
-            </a:r>
-          </a:p>
-          <a:p>
-            <a:r>
-              <a:rPr lang="en-US" dirty="0">
-                <a:latin typeface="Trebuchet MS"/>
-                <a:cs typeface="Trebuchet MS"/>
-              </a:rPr>
-              <a:t>The questions depends on who is asking.</a:t>
-            </a:r>
-          </a:p>
-          <a:p>
-            <a:endParaRPr lang="en-US" dirty="0">
-              <a:latin typeface="Trebuchet MS"/>
-              <a:cs typeface="Trebuchet MS"/>
-            </a:endParaRPr>
-          </a:p>
-          <a:p>
-            <a:r>
-              <a:rPr lang="en-US" dirty="0">
-                <a:latin typeface="Trebuchet MS"/>
-                <a:cs typeface="Trebuchet MS"/>
-              </a:rPr>
-              <a:t>Parties that are interesting in information from logs can be:</a:t>
-            </a:r>
-          </a:p>
-          <a:p>
-            <a:pPr marL="285750" indent="-285750">
-              <a:buFontTx/>
-              <a:buChar char="-"/>
-            </a:pPr>
-            <a:r>
-              <a:rPr lang="en-US" dirty="0">
-                <a:latin typeface="Trebuchet MS"/>
-                <a:cs typeface="Trebuchet MS"/>
-              </a:rPr>
-              <a:t>Development team</a:t>
-            </a:r>
-          </a:p>
-          <a:p>
-            <a:pPr marL="285750" indent="-285750">
-              <a:buFontTx/>
-              <a:buChar char="-"/>
-            </a:pPr>
-            <a:r>
-              <a:rPr lang="en-US" dirty="0">
-                <a:latin typeface="Trebuchet MS"/>
-                <a:cs typeface="Trebuchet MS"/>
-              </a:rPr>
-              <a:t>Maintenance team </a:t>
-            </a:r>
-          </a:p>
-          <a:p>
-            <a:pPr marL="285750" indent="-285750">
-              <a:buFontTx/>
-              <a:buChar char="-"/>
-            </a:pPr>
-            <a:r>
-              <a:rPr lang="en-US" dirty="0">
-                <a:latin typeface="Trebuchet MS"/>
-                <a:cs typeface="Trebuchet MS"/>
-              </a:rPr>
-              <a:t>Business</a:t>
-            </a:r>
-          </a:p>
-          <a:p>
-            <a:endParaRPr lang="en-US" dirty="0">
-              <a:latin typeface="Trebuchet MS"/>
-              <a:cs typeface="Trebuchet MS"/>
-            </a:endParaRPr>
-          </a:p>
-          <a:p>
-            <a:pPr marL="285750" indent="-285750">
-              <a:buFontTx/>
-              <a:buChar char="-"/>
-            </a:pPr>
-            <a:endParaRPr lang="en-US" dirty="0">
-              <a:latin typeface="Trebuchet MS"/>
-              <a:cs typeface="Trebuchet MS"/>
-            </a:endParaRPr>
-          </a:p>
-        </p:txBody>
-      </p:sp>
-      <p:sp>
-        <p:nvSpPr>
-          <p:cNvPr id="2" name="TextBox 1"/>
-          <p:cNvSpPr txBox="1"/>
-          <p:nvPr/>
-        </p:nvSpPr>
-        <p:spPr>
-          <a:xfrm>
-            <a:off x="-1678214" y="172358"/>
-            <a:ext cx="138548" cy="318549"/>
-          </a:xfrm>
-          <a:prstGeom prst="rect">
-            <a:avLst/>
-          </a:prstGeom>
-          <a:noFill/>
-        </p:spPr>
-        <p:txBody>
-          <a:bodyPr wrap="none" lIns="68580" tIns="34290" rIns="68580" bIns="34290" rtlCol="0">
-            <a:spAutoFit/>
-          </a:bodyPr>
-          <a:lstStyle/>
-          <a:p>
-            <a:pPr>
-              <a:lnSpc>
-                <a:spcPct val="120000"/>
-              </a:lnSpc>
-            </a:pPr>
-            <a:endParaRPr lang="en-US" dirty="0" err="1">
-              <a:solidFill>
-                <a:srgbClr val="444444"/>
-              </a:solidFill>
-              <a:latin typeface="Trebuchet MS"/>
-              <a:cs typeface="Trebuchet MS"/>
-            </a:endParaRPr>
-          </a:p>
-        </p:txBody>
-      </p:sp>
-    </p:spTree>
-    <p:extLst>
-      <p:ext uri="{BB962C8B-B14F-4D97-AF65-F5344CB8AC3E}">
-        <p14:creationId xmlns:p14="http://schemas.microsoft.com/office/powerpoint/2010/main" val="2134386963"/>
-      </p:ext>
-    </p:extLst>
-  </p:cSld>
-  <p:clrMapOvr>
-    <a:masterClrMapping/>
-  </p:clrMapOvr>
-</p:sld>
-</file>
-
-<file path=ppt/slides/slide40.xml><?xml version="1.0" encoding="utf-8"?>
-<p:sld xmlns:a="http://schemas.openxmlformats.org/drawingml/2006/main" xmlns:r="http://schemas.openxmlformats.org/officeDocument/2006/relationships" xmlns:p="http://schemas.openxmlformats.org/presentationml/2006/main">
-  <p:cSld>
-    <p:spTree>
-      <p:nvGrpSpPr>
-        <p:cNvPr id="1" name=""/>
-        <p:cNvGrpSpPr/>
-        <p:nvPr/>
-      </p:nvGrpSpPr>
-      <p:grpSpPr>
-        <a:xfrm>
-          <a:off x="0" y="0"/>
-          <a:ext cx="0" cy="0"/>
-          <a:chOff x="0" y="0"/>
-          <a:chExt cx="0" cy="0"/>
-        </a:xfrm>
-      </p:grpSpPr>
-      <p:sp>
-        <p:nvSpPr>
-          <p:cNvPr id="12" name="TextBox 11"/>
-          <p:cNvSpPr txBox="1"/>
-          <p:nvPr/>
-        </p:nvSpPr>
-        <p:spPr>
-          <a:xfrm>
-            <a:off x="-9525" y="0"/>
-            <a:ext cx="9153525" cy="4857750"/>
-          </a:xfrm>
-          <a:prstGeom prst="rect">
-            <a:avLst/>
-          </a:prstGeom>
-          <a:solidFill>
-            <a:schemeClr val="tx1">
-              <a:lumMod val="75000"/>
-            </a:schemeClr>
-          </a:solidFill>
-        </p:spPr>
-        <p:txBody>
-          <a:bodyPr wrap="square" rtlCol="0">
-            <a:noAutofit/>
-          </a:bodyPr>
-          <a:lstStyle/>
-          <a:p>
-            <a:endParaRPr lang="en-US" b="1" dirty="0">
-              <a:solidFill>
-                <a:schemeClr val="bg1"/>
-              </a:solidFill>
-              <a:latin typeface="Courier New" panose="02070309020205020404" pitchFamily="49" charset="0"/>
-              <a:cs typeface="Courier New" panose="02070309020205020404" pitchFamily="49" charset="0"/>
-            </a:endParaRPr>
-          </a:p>
-          <a:p>
-            <a:endParaRPr lang="en-US" b="1" dirty="0">
-              <a:solidFill>
-                <a:schemeClr val="bg1"/>
-              </a:solidFill>
-              <a:latin typeface="Courier New" panose="02070309020205020404" pitchFamily="49" charset="0"/>
-              <a:cs typeface="Courier New" panose="02070309020205020404" pitchFamily="49" charset="0"/>
-            </a:endParaRPr>
-          </a:p>
-          <a:p>
-            <a:endParaRPr lang="en-US" b="1" dirty="0">
-              <a:solidFill>
-                <a:schemeClr val="bg1"/>
-              </a:solidFill>
-              <a:latin typeface="Courier New" panose="02070309020205020404" pitchFamily="49" charset="0"/>
-              <a:cs typeface="Courier New" panose="02070309020205020404" pitchFamily="49" charset="0"/>
-            </a:endParaRPr>
-          </a:p>
-          <a:p>
-            <a:endParaRPr lang="en-US" b="1" dirty="0">
-              <a:solidFill>
-                <a:schemeClr val="bg1"/>
-              </a:solidFill>
-              <a:latin typeface="Courier New" panose="02070309020205020404" pitchFamily="49" charset="0"/>
-              <a:cs typeface="Courier New" panose="02070309020205020404" pitchFamily="49" charset="0"/>
-            </a:endParaRPr>
-          </a:p>
-          <a:p>
-            <a:endParaRPr lang="en-US" b="1" dirty="0">
-              <a:solidFill>
-                <a:schemeClr val="bg1"/>
-              </a:solidFill>
-              <a:latin typeface="Courier New" panose="02070309020205020404" pitchFamily="49" charset="0"/>
-              <a:cs typeface="Courier New" panose="02070309020205020404" pitchFamily="49" charset="0"/>
-            </a:endParaRPr>
-          </a:p>
-          <a:p>
-            <a:r>
-              <a:rPr lang="en-US" b="1" dirty="0">
-                <a:solidFill>
-                  <a:schemeClr val="bg1"/>
-                </a:solidFill>
-                <a:latin typeface="Courier New" panose="02070309020205020404" pitchFamily="49" charset="0"/>
-                <a:cs typeface="Courier New" panose="02070309020205020404" pitchFamily="49" charset="0"/>
-              </a:rPr>
-              <a:t> 	   		  using (</a:t>
-            </a:r>
-            <a:r>
-              <a:rPr lang="en-US" b="1" dirty="0" err="1">
-                <a:solidFill>
-                  <a:schemeClr val="bg1"/>
-                </a:solidFill>
-                <a:latin typeface="Courier New" panose="02070309020205020404" pitchFamily="49" charset="0"/>
-                <a:cs typeface="Courier New" panose="02070309020205020404" pitchFamily="49" charset="0"/>
-              </a:rPr>
-              <a:t>LogContext.PushProperty</a:t>
-            </a:r>
-            <a:r>
-              <a:rPr lang="en-US" b="1" dirty="0">
-                <a:solidFill>
-                  <a:schemeClr val="bg1"/>
-                </a:solidFill>
-                <a:latin typeface="Courier New" panose="02070309020205020404" pitchFamily="49" charset="0"/>
-                <a:cs typeface="Courier New" panose="02070309020205020404" pitchFamily="49" charset="0"/>
-              </a:rPr>
-              <a:t>("A", 1))</a:t>
-            </a:r>
-          </a:p>
-          <a:p>
-            <a:r>
-              <a:rPr lang="en-US" b="1" dirty="0">
-                <a:solidFill>
-                  <a:schemeClr val="bg1"/>
-                </a:solidFill>
-                <a:latin typeface="Courier New" panose="02070309020205020404" pitchFamily="49" charset="0"/>
-                <a:cs typeface="Courier New" panose="02070309020205020404" pitchFamily="49" charset="0"/>
-              </a:rPr>
-              <a:t>            {</a:t>
-            </a:r>
-          </a:p>
-          <a:p>
-            <a:r>
-              <a:rPr lang="en-US" b="1" dirty="0">
-                <a:solidFill>
-                  <a:schemeClr val="bg1"/>
-                </a:solidFill>
-                <a:latin typeface="Courier New" panose="02070309020205020404" pitchFamily="49" charset="0"/>
-                <a:cs typeface="Courier New" panose="02070309020205020404" pitchFamily="49" charset="0"/>
-              </a:rPr>
-              <a:t>                _</a:t>
-            </a:r>
-            <a:r>
-              <a:rPr lang="en-US" b="1" dirty="0" err="1">
-                <a:solidFill>
-                  <a:schemeClr val="bg1"/>
-                </a:solidFill>
-                <a:latin typeface="Courier New" panose="02070309020205020404" pitchFamily="49" charset="0"/>
-                <a:cs typeface="Courier New" panose="02070309020205020404" pitchFamily="49" charset="0"/>
-              </a:rPr>
-              <a:t>appLogger.Info</a:t>
-            </a:r>
-            <a:r>
-              <a:rPr lang="en-US" b="1" dirty="0">
-                <a:solidFill>
-                  <a:schemeClr val="bg1"/>
-                </a:solidFill>
-                <a:latin typeface="Courier New" panose="02070309020205020404" pitchFamily="49" charset="0"/>
-                <a:cs typeface="Courier New" panose="02070309020205020404" pitchFamily="49" charset="0"/>
-              </a:rPr>
-              <a:t>("Carries property A = 1");</a:t>
-            </a:r>
-          </a:p>
-          <a:p>
-            <a:endParaRPr lang="en-US" b="1" dirty="0">
-              <a:solidFill>
-                <a:schemeClr val="bg1"/>
-              </a:solidFill>
-              <a:latin typeface="Courier New" panose="02070309020205020404" pitchFamily="49" charset="0"/>
-              <a:cs typeface="Courier New" panose="02070309020205020404" pitchFamily="49" charset="0"/>
-            </a:endParaRPr>
-          </a:p>
-          <a:p>
-            <a:r>
-              <a:rPr lang="en-US" b="1" dirty="0">
-                <a:solidFill>
-                  <a:schemeClr val="bg1"/>
-                </a:solidFill>
-                <a:latin typeface="Courier New" panose="02070309020205020404" pitchFamily="49" charset="0"/>
-                <a:cs typeface="Courier New" panose="02070309020205020404" pitchFamily="49" charset="0"/>
-              </a:rPr>
-              <a:t>                using (</a:t>
-            </a:r>
-            <a:r>
-              <a:rPr lang="en-US" b="1" dirty="0" err="1">
-                <a:solidFill>
-                  <a:schemeClr val="bg1"/>
-                </a:solidFill>
-                <a:latin typeface="Courier New" panose="02070309020205020404" pitchFamily="49" charset="0"/>
-                <a:cs typeface="Courier New" panose="02070309020205020404" pitchFamily="49" charset="0"/>
-              </a:rPr>
-              <a:t>LogContext.PushProperty</a:t>
-            </a:r>
-            <a:r>
-              <a:rPr lang="en-US" b="1" dirty="0">
-                <a:solidFill>
-                  <a:schemeClr val="bg1"/>
-                </a:solidFill>
-                <a:latin typeface="Courier New" panose="02070309020205020404" pitchFamily="49" charset="0"/>
-                <a:cs typeface="Courier New" panose="02070309020205020404" pitchFamily="49" charset="0"/>
-              </a:rPr>
-              <a:t>("A", 2))</a:t>
-            </a:r>
-          </a:p>
-          <a:p>
-            <a:r>
-              <a:rPr lang="en-US" b="1" dirty="0">
-                <a:solidFill>
-                  <a:schemeClr val="bg1"/>
-                </a:solidFill>
-                <a:latin typeface="Courier New" panose="02070309020205020404" pitchFamily="49" charset="0"/>
-                <a:cs typeface="Courier New" panose="02070309020205020404" pitchFamily="49" charset="0"/>
-              </a:rPr>
-              <a:t>                using (</a:t>
-            </a:r>
-            <a:r>
-              <a:rPr lang="en-US" b="1" dirty="0" err="1">
-                <a:solidFill>
-                  <a:schemeClr val="bg1"/>
-                </a:solidFill>
-                <a:latin typeface="Courier New" panose="02070309020205020404" pitchFamily="49" charset="0"/>
-                <a:cs typeface="Courier New" panose="02070309020205020404" pitchFamily="49" charset="0"/>
-              </a:rPr>
-              <a:t>LogContext.PushProperty</a:t>
-            </a:r>
-            <a:r>
-              <a:rPr lang="en-US" b="1" dirty="0">
-                <a:solidFill>
-                  <a:schemeClr val="bg1"/>
-                </a:solidFill>
-                <a:latin typeface="Courier New" panose="02070309020205020404" pitchFamily="49" charset="0"/>
-                <a:cs typeface="Courier New" panose="02070309020205020404" pitchFamily="49" charset="0"/>
-              </a:rPr>
-              <a:t>("B", 1))</a:t>
-            </a:r>
-          </a:p>
-          <a:p>
-            <a:r>
-              <a:rPr lang="en-US" b="1" dirty="0">
-                <a:solidFill>
-                  <a:schemeClr val="bg1"/>
-                </a:solidFill>
-                <a:latin typeface="Courier New" panose="02070309020205020404" pitchFamily="49" charset="0"/>
-                <a:cs typeface="Courier New" panose="02070309020205020404" pitchFamily="49" charset="0"/>
-              </a:rPr>
-              <a:t>                {</a:t>
-            </a:r>
-          </a:p>
-          <a:p>
-            <a:r>
-              <a:rPr lang="en-US" b="1" dirty="0">
-                <a:solidFill>
-                  <a:schemeClr val="bg1"/>
-                </a:solidFill>
-                <a:latin typeface="Courier New" panose="02070309020205020404" pitchFamily="49" charset="0"/>
-                <a:cs typeface="Courier New" panose="02070309020205020404" pitchFamily="49" charset="0"/>
-              </a:rPr>
-              <a:t>                    _</a:t>
-            </a:r>
-            <a:r>
-              <a:rPr lang="en-US" b="1" dirty="0" err="1">
-                <a:solidFill>
-                  <a:schemeClr val="bg1"/>
-                </a:solidFill>
-                <a:latin typeface="Courier New" panose="02070309020205020404" pitchFamily="49" charset="0"/>
-                <a:cs typeface="Courier New" panose="02070309020205020404" pitchFamily="49" charset="0"/>
-              </a:rPr>
-              <a:t>appLogger.Info</a:t>
-            </a:r>
-            <a:r>
-              <a:rPr lang="en-US" b="1" dirty="0">
-                <a:solidFill>
-                  <a:schemeClr val="bg1"/>
-                </a:solidFill>
-                <a:latin typeface="Courier New" panose="02070309020205020404" pitchFamily="49" charset="0"/>
-                <a:cs typeface="Courier New" panose="02070309020205020404" pitchFamily="49" charset="0"/>
-              </a:rPr>
-              <a:t>("Carries A = 2 and B = 1");</a:t>
-            </a:r>
-          </a:p>
-          <a:p>
-            <a:r>
-              <a:rPr lang="en-US" b="1" dirty="0">
-                <a:solidFill>
-                  <a:schemeClr val="bg1"/>
-                </a:solidFill>
-                <a:latin typeface="Courier New" panose="02070309020205020404" pitchFamily="49" charset="0"/>
-                <a:cs typeface="Courier New" panose="02070309020205020404" pitchFamily="49" charset="0"/>
-              </a:rPr>
-              <a:t>                }</a:t>
-            </a:r>
-          </a:p>
-          <a:p>
-            <a:endParaRPr lang="en-US" b="1" dirty="0">
-              <a:solidFill>
-                <a:schemeClr val="bg1"/>
-              </a:solidFill>
-              <a:latin typeface="Courier New" panose="02070309020205020404" pitchFamily="49" charset="0"/>
-              <a:cs typeface="Courier New" panose="02070309020205020404" pitchFamily="49" charset="0"/>
-            </a:endParaRPr>
-          </a:p>
-          <a:p>
-            <a:r>
-              <a:rPr lang="en-US" b="1" dirty="0">
-                <a:solidFill>
-                  <a:schemeClr val="bg1"/>
-                </a:solidFill>
-                <a:latin typeface="Courier New" panose="02070309020205020404" pitchFamily="49" charset="0"/>
-                <a:cs typeface="Courier New" panose="02070309020205020404" pitchFamily="49" charset="0"/>
-              </a:rPr>
-              <a:t>                _</a:t>
-            </a:r>
-            <a:r>
-              <a:rPr lang="en-US" b="1" dirty="0" err="1">
-                <a:solidFill>
-                  <a:schemeClr val="bg1"/>
-                </a:solidFill>
-                <a:latin typeface="Courier New" panose="02070309020205020404" pitchFamily="49" charset="0"/>
-                <a:cs typeface="Courier New" panose="02070309020205020404" pitchFamily="49" charset="0"/>
-              </a:rPr>
-              <a:t>appLogger.Info</a:t>
-            </a:r>
-            <a:r>
-              <a:rPr lang="en-US" b="1" dirty="0">
-                <a:solidFill>
-                  <a:schemeClr val="bg1"/>
-                </a:solidFill>
-                <a:latin typeface="Courier New" panose="02070309020205020404" pitchFamily="49" charset="0"/>
-                <a:cs typeface="Courier New" panose="02070309020205020404" pitchFamily="49" charset="0"/>
-              </a:rPr>
-              <a:t>("Carries property A = 1, again");</a:t>
-            </a:r>
-          </a:p>
-          <a:p>
-            <a:r>
-              <a:rPr lang="en-US" b="1" dirty="0">
-                <a:solidFill>
-                  <a:schemeClr val="bg1"/>
-                </a:solidFill>
-                <a:latin typeface="Courier New" panose="02070309020205020404" pitchFamily="49" charset="0"/>
-                <a:cs typeface="Courier New" panose="02070309020205020404" pitchFamily="49" charset="0"/>
-              </a:rPr>
-              <a:t>            }</a:t>
-            </a:r>
-            <a:endParaRPr lang="en-US" b="1" dirty="0">
-              <a:solidFill>
-                <a:schemeClr val="bg1"/>
-              </a:solidFill>
-            </a:endParaRPr>
-          </a:p>
-        </p:txBody>
-      </p:sp>
-      <p:sp>
-        <p:nvSpPr>
-          <p:cNvPr id="6" name="Text Placeholder 5"/>
-          <p:cNvSpPr>
-            <a:spLocks noGrp="1"/>
-          </p:cNvSpPr>
-          <p:nvPr>
-            <p:ph type="body" sz="quarter" idx="10"/>
-          </p:nvPr>
-        </p:nvSpPr>
-        <p:spPr>
-          <a:noFill/>
-        </p:spPr>
-        <p:txBody>
-          <a:bodyPr>
-            <a:normAutofit/>
-          </a:bodyPr>
-          <a:lstStyle/>
-          <a:p>
-            <a:pPr>
-              <a:buClr>
-                <a:schemeClr val="bg1"/>
-              </a:buClr>
-              <a:buSzPct val="140000"/>
-            </a:pPr>
-            <a:r>
-              <a:rPr lang="en-US" dirty="0">
-                <a:solidFill>
-                  <a:schemeClr val="bg1"/>
-                </a:solidFill>
-                <a:latin typeface="Trebuchet MS"/>
-                <a:cs typeface="Trebuchet MS"/>
-              </a:rPr>
-              <a:t>Best Practices – </a:t>
-            </a:r>
-            <a:r>
-              <a:rPr lang="en-US" dirty="0" err="1">
-                <a:solidFill>
-                  <a:schemeClr val="bg1"/>
-                </a:solidFill>
-                <a:latin typeface="Trebuchet MS"/>
-                <a:cs typeface="Trebuchet MS"/>
-              </a:rPr>
-              <a:t>LogContext</a:t>
-            </a:r>
-            <a:endParaRPr lang="en-US" dirty="0">
-              <a:solidFill>
-                <a:schemeClr val="bg1"/>
-              </a:solidFill>
-              <a:latin typeface="Trebuchet MS"/>
-              <a:cs typeface="Trebuchet MS"/>
-            </a:endParaRPr>
-          </a:p>
-        </p:txBody>
-      </p:sp>
-      <p:sp>
-        <p:nvSpPr>
-          <p:cNvPr id="2" name="TextBox 1"/>
-          <p:cNvSpPr txBox="1"/>
-          <p:nvPr/>
-        </p:nvSpPr>
-        <p:spPr>
-          <a:xfrm>
-            <a:off x="-1678214" y="172358"/>
-            <a:ext cx="138548" cy="318549"/>
-          </a:xfrm>
-          <a:prstGeom prst="rect">
-            <a:avLst/>
-          </a:prstGeom>
-          <a:noFill/>
-        </p:spPr>
-        <p:txBody>
-          <a:bodyPr wrap="none" lIns="68580" tIns="34290" rIns="68580" bIns="34290" rtlCol="0">
-            <a:spAutoFit/>
-          </a:bodyPr>
-          <a:lstStyle/>
-          <a:p>
-            <a:pPr>
-              <a:lnSpc>
-                <a:spcPct val="120000"/>
-              </a:lnSpc>
-            </a:pPr>
-            <a:endParaRPr lang="en-US" dirty="0" err="1">
-              <a:solidFill>
-                <a:srgbClr val="444444"/>
-              </a:solidFill>
-              <a:latin typeface="Trebuchet MS"/>
-              <a:cs typeface="Trebuchet MS"/>
-            </a:endParaRPr>
-          </a:p>
-        </p:txBody>
-      </p:sp>
-    </p:spTree>
-    <p:extLst>
-      <p:ext uri="{BB962C8B-B14F-4D97-AF65-F5344CB8AC3E}">
-        <p14:creationId xmlns:p14="http://schemas.microsoft.com/office/powerpoint/2010/main" val="3858664578"/>
-      </p:ext>
-    </p:extLst>
-  </p:cSld>
-  <p:clrMapOvr>
-    <a:masterClrMapping/>
-  </p:clrMapOvr>
-</p:sld>
-</file>
-
-<file path=ppt/slides/slide41.xml><?xml version="1.0" encoding="utf-8"?>
+<file path=ppt/slides/slide34.xml><?xml version="1.0" encoding="utf-8"?>
 <p:sld xmlns:a="http://schemas.openxmlformats.org/drawingml/2006/main" xmlns:r="http://schemas.openxmlformats.org/officeDocument/2006/relationships" xmlns:p="http://schemas.openxmlformats.org/presentationml/2006/main">
   <p:cSld>
     <p:spTree>
@@ -15998,10 +13767,17 @@
   <p:clrMapOvr>
     <a:masterClrMapping/>
   </p:clrMapOvr>
+  <p:timing>
+    <p:tnLst>
+      <p:par>
+        <p:cTn id="1" dur="indefinite" restart="never" nodeType="tmRoot"/>
+      </p:par>
+    </p:tnLst>
+  </p:timing>
 </p:sld>
 </file>
 
-<file path=ppt/slides/slide42.xml><?xml version="1.0" encoding="utf-8"?>
+<file path=ppt/slides/slide35.xml><?xml version="1.0" encoding="utf-8"?>
 <p:sld xmlns:a="http://schemas.openxmlformats.org/drawingml/2006/main" xmlns:r="http://schemas.openxmlformats.org/officeDocument/2006/relationships" xmlns:p="http://schemas.openxmlformats.org/presentationml/2006/main">
   <p:cSld>
     <p:spTree>
@@ -16083,10 +13859,17 @@
   <p:clrMapOvr>
     <a:masterClrMapping/>
   </p:clrMapOvr>
+  <p:timing>
+    <p:tnLst>
+      <p:par>
+        <p:cTn id="1" dur="indefinite" restart="never" nodeType="tmRoot"/>
+      </p:par>
+    </p:tnLst>
+  </p:timing>
 </p:sld>
 </file>
 
-<file path=ppt/slides/slide43.xml><?xml version="1.0" encoding="utf-8"?>
+<file path=ppt/slides/slide36.xml><?xml version="1.0" encoding="utf-8"?>
 <p:sld xmlns:a="http://schemas.openxmlformats.org/drawingml/2006/main" xmlns:r="http://schemas.openxmlformats.org/officeDocument/2006/relationships" xmlns:p="http://schemas.openxmlformats.org/presentationml/2006/main">
   <p:cSld>
     <p:spTree>
@@ -16627,7 +14410,7 @@
 </p:sld>
 </file>
 
-<file path=ppt/slides/slide44.xml><?xml version="1.0" encoding="utf-8"?>
+<file path=ppt/slides/slide37.xml><?xml version="1.0" encoding="utf-8"?>
 <p:sld xmlns:a="http://schemas.openxmlformats.org/drawingml/2006/main" xmlns:r="http://schemas.openxmlformats.org/officeDocument/2006/relationships" xmlns:p="http://schemas.openxmlformats.org/presentationml/2006/main">
   <p:cSld>
     <p:spTree>
@@ -16733,6 +14516,229 @@
   <p:clrMapOvr>
     <a:masterClrMapping/>
   </p:clrMapOvr>
+  <p:timing>
+    <p:tnLst>
+      <p:par>
+        <p:cTn id="1" dur="indefinite" restart="never" nodeType="tmRoot"/>
+      </p:par>
+    </p:tnLst>
+  </p:timing>
+</p:sld>
+</file>
+
+<file path=ppt/slides/slide4.xml><?xml version="1.0" encoding="utf-8"?>
+<p:sld xmlns:a="http://schemas.openxmlformats.org/drawingml/2006/main" xmlns:r="http://schemas.openxmlformats.org/officeDocument/2006/relationships" xmlns:p="http://schemas.openxmlformats.org/presentationml/2006/main">
+  <p:cSld>
+    <p:spTree>
+      <p:nvGrpSpPr>
+        <p:cNvPr id="1" name=""/>
+        <p:cNvGrpSpPr/>
+        <p:nvPr/>
+      </p:nvGrpSpPr>
+      <p:grpSpPr>
+        <a:xfrm>
+          <a:off x="0" y="0"/>
+          <a:ext cx="0" cy="0"/>
+          <a:chOff x="0" y="0"/>
+          <a:chExt cx="0" cy="0"/>
+        </a:xfrm>
+      </p:grpSpPr>
+      <p:sp>
+        <p:nvSpPr>
+          <p:cNvPr id="6" name="Text Placeholder 5"/>
+          <p:cNvSpPr>
+            <a:spLocks noGrp="1"/>
+          </p:cNvSpPr>
+          <p:nvPr>
+            <p:ph type="body" sz="quarter" idx="10"/>
+          </p:nvPr>
+        </p:nvSpPr>
+        <p:spPr/>
+        <p:txBody>
+          <a:bodyPr>
+            <a:normAutofit/>
+          </a:bodyPr>
+          <a:lstStyle/>
+          <a:p>
+            <a:pPr>
+              <a:buClr>
+                <a:schemeClr val="bg1"/>
+              </a:buClr>
+              <a:buSzPct val="140000"/>
+            </a:pPr>
+            <a:r>
+              <a:rPr lang="en-US" dirty="0">
+                <a:solidFill>
+                  <a:srgbClr val="444444"/>
+                </a:solidFill>
+                <a:latin typeface="Trebuchet MS"/>
+                <a:cs typeface="Trebuchet MS"/>
+              </a:rPr>
+              <a:t>Logs purpose and value</a:t>
+            </a:r>
+          </a:p>
+        </p:txBody>
+      </p:sp>
+      <p:sp>
+        <p:nvSpPr>
+          <p:cNvPr id="8" name="Content Placeholder 7"/>
+          <p:cNvSpPr>
+            <a:spLocks noGrp="1"/>
+          </p:cNvSpPr>
+          <p:nvPr>
+            <p:ph idx="1"/>
+          </p:nvPr>
+        </p:nvSpPr>
+        <p:spPr/>
+        <p:txBody>
+          <a:bodyPr>
+            <a:normAutofit/>
+          </a:bodyPr>
+          <a:lstStyle/>
+          <a:p>
+            <a:r>
+              <a:rPr lang="en-US" dirty="0">
+                <a:latin typeface="Trebuchet MS"/>
+                <a:cs typeface="Trebuchet MS"/>
+              </a:rPr>
+              <a:t>Purpose of the logging framework is to answer questions what happened to the system. </a:t>
+            </a:r>
+          </a:p>
+          <a:p>
+            <a:r>
+              <a:rPr lang="en-US" dirty="0">
+                <a:latin typeface="Trebuchet MS"/>
+                <a:cs typeface="Trebuchet MS"/>
+              </a:rPr>
+              <a:t>The questions depends on who is asking.</a:t>
+            </a:r>
+          </a:p>
+          <a:p>
+            <a:endParaRPr lang="en-US" dirty="0">
+              <a:latin typeface="Trebuchet MS"/>
+              <a:cs typeface="Trebuchet MS"/>
+            </a:endParaRPr>
+          </a:p>
+          <a:p>
+            <a:r>
+              <a:rPr lang="en-US" dirty="0">
+                <a:latin typeface="Trebuchet MS"/>
+                <a:cs typeface="Trebuchet MS"/>
+              </a:rPr>
+              <a:t>Parties that are interesting in information from logs can be:</a:t>
+            </a:r>
+          </a:p>
+          <a:p>
+            <a:pPr marL="285750" indent="-285750">
+              <a:buFontTx/>
+              <a:buChar char="-"/>
+            </a:pPr>
+            <a:r>
+              <a:rPr lang="en-US" dirty="0">
+                <a:latin typeface="Trebuchet MS"/>
+                <a:cs typeface="Trebuchet MS"/>
+              </a:rPr>
+              <a:t>Development team</a:t>
+            </a:r>
+          </a:p>
+          <a:p>
+            <a:pPr marL="285750" indent="-285750">
+              <a:buFontTx/>
+              <a:buChar char="-"/>
+            </a:pPr>
+            <a:r>
+              <a:rPr lang="en-US" dirty="0">
+                <a:latin typeface="Trebuchet MS"/>
+                <a:cs typeface="Trebuchet MS"/>
+              </a:rPr>
+              <a:t>Maintenance team </a:t>
+            </a:r>
+          </a:p>
+          <a:p>
+            <a:pPr marL="285750" indent="-285750">
+              <a:buFontTx/>
+              <a:buChar char="-"/>
+            </a:pPr>
+            <a:r>
+              <a:rPr lang="en-US" dirty="0">
+                <a:latin typeface="Trebuchet MS"/>
+                <a:cs typeface="Trebuchet MS"/>
+              </a:rPr>
+              <a:t>Business</a:t>
+            </a:r>
+          </a:p>
+          <a:p>
+            <a:endParaRPr lang="en-US" dirty="0">
+              <a:latin typeface="Trebuchet MS"/>
+              <a:cs typeface="Trebuchet MS"/>
+            </a:endParaRPr>
+          </a:p>
+          <a:p>
+            <a:pPr marL="285750" indent="-285750">
+              <a:buFontTx/>
+              <a:buChar char="-"/>
+            </a:pPr>
+            <a:endParaRPr lang="en-US" dirty="0">
+              <a:latin typeface="Trebuchet MS"/>
+              <a:cs typeface="Trebuchet MS"/>
+            </a:endParaRPr>
+          </a:p>
+        </p:txBody>
+      </p:sp>
+      <p:sp>
+        <p:nvSpPr>
+          <p:cNvPr id="2" name="TextBox 1"/>
+          <p:cNvSpPr txBox="1"/>
+          <p:nvPr/>
+        </p:nvSpPr>
+        <p:spPr>
+          <a:xfrm>
+            <a:off x="-1678214" y="172358"/>
+            <a:ext cx="138548" cy="318549"/>
+          </a:xfrm>
+          <a:prstGeom prst="rect">
+            <a:avLst/>
+          </a:prstGeom>
+          <a:noFill/>
+        </p:spPr>
+        <p:txBody>
+          <a:bodyPr wrap="none" lIns="68580" tIns="34290" rIns="68580" bIns="34290" rtlCol="0">
+            <a:spAutoFit/>
+          </a:bodyPr>
+          <a:lstStyle/>
+          <a:p>
+            <a:pPr>
+              <a:lnSpc>
+                <a:spcPct val="120000"/>
+              </a:lnSpc>
+            </a:pPr>
+            <a:endParaRPr lang="en-US" dirty="0" err="1">
+              <a:solidFill>
+                <a:srgbClr val="444444"/>
+              </a:solidFill>
+              <a:latin typeface="Trebuchet MS"/>
+              <a:cs typeface="Trebuchet MS"/>
+            </a:endParaRPr>
+          </a:p>
+        </p:txBody>
+      </p:sp>
+    </p:spTree>
+    <p:extLst>
+      <p:ext uri="{BB962C8B-B14F-4D97-AF65-F5344CB8AC3E}">
+        <p14:creationId xmlns:p14="http://schemas.microsoft.com/office/powerpoint/2010/main" val="2134386963"/>
+      </p:ext>
+    </p:extLst>
+  </p:cSld>
+  <p:clrMapOvr>
+    <a:masterClrMapping/>
+  </p:clrMapOvr>
+  <p:timing>
+    <p:tnLst>
+      <p:par>
+        <p:cTn id="1" dur="indefinite" restart="never" nodeType="tmRoot"/>
+      </p:par>
+    </p:tnLst>
+  </p:timing>
 </p:sld>
 </file>
 
@@ -16920,6 +14926,13 @@
   <p:clrMapOvr>
     <a:masterClrMapping/>
   </p:clrMapOvr>
+  <p:timing>
+    <p:tnLst>
+      <p:par>
+        <p:cTn id="1" dur="indefinite" restart="never" nodeType="tmRoot"/>
+      </p:par>
+    </p:tnLst>
+  </p:timing>
 </p:sld>
 </file>
 
@@ -17103,6 +15116,13 @@
   <p:clrMapOvr>
     <a:masterClrMapping/>
   </p:clrMapOvr>
+  <p:timing>
+    <p:tnLst>
+      <p:par>
+        <p:cTn id="1" dur="indefinite" restart="never" nodeType="tmRoot"/>
+      </p:par>
+    </p:tnLst>
+  </p:timing>
 </p:sld>
 </file>
 
@@ -17321,6 +15341,13 @@
   <p:clrMapOvr>
     <a:masterClrMapping/>
   </p:clrMapOvr>
+  <p:timing>
+    <p:tnLst>
+      <p:par>
+        <p:cTn id="1" dur="indefinite" restart="never" nodeType="tmRoot"/>
+      </p:par>
+    </p:tnLst>
+  </p:timing>
 </p:sld>
 </file>
 
@@ -17371,32 +15398,6 @@
           </a:p>
         </p:txBody>
       </p:sp>
-      <p:sp>
-        <p:nvSpPr>
-          <p:cNvPr id="15" name="Text Placeholder 14"/>
-          <p:cNvSpPr>
-            <a:spLocks noGrp="1"/>
-          </p:cNvSpPr>
-          <p:nvPr>
-            <p:ph type="body" sz="quarter" idx="17"/>
-          </p:nvPr>
-        </p:nvSpPr>
-        <p:spPr/>
-        <p:txBody>
-          <a:bodyPr>
-            <a:normAutofit lnSpcReduction="10000"/>
-          </a:bodyPr>
-          <a:lstStyle/>
-          <a:p>
-            <a:r>
-              <a:rPr lang="en-US" dirty="0">
-                <a:cs typeface="Trebuchet MS"/>
-              </a:rPr>
-              <a:t>OCTOBER 7, 2015</a:t>
-            </a:r>
-          </a:p>
-        </p:txBody>
-      </p:sp>
       <p:pic>
         <p:nvPicPr>
           <p:cNvPr id="17" name="Picture Placeholder 16" descr="logo_cover_4.png"/>
@@ -17422,6 +15423,27 @@
         </p:blipFill>
         <p:spPr/>
       </p:pic>
+      <p:sp>
+        <p:nvSpPr>
+          <p:cNvPr id="2" name="Текст 1"/>
+          <p:cNvSpPr>
+            <a:spLocks noGrp="1"/>
+          </p:cNvSpPr>
+          <p:nvPr>
+            <p:ph type="body" sz="quarter" idx="17"/>
+          </p:nvPr>
+        </p:nvSpPr>
+        <p:spPr/>
+        <p:txBody>
+          <a:bodyPr>
+            <a:normAutofit lnSpcReduction="10000"/>
+          </a:bodyPr>
+          <a:lstStyle/>
+          <a:p>
+            <a:endParaRPr lang="ru-RU"/>
+          </a:p>
+        </p:txBody>
+      </p:sp>
     </p:spTree>
     <p:extLst>
       <p:ext uri="{BB962C8B-B14F-4D97-AF65-F5344CB8AC3E}">
@@ -17432,6 +15454,13 @@
   <p:clrMapOvr>
     <a:masterClrMapping/>
   </p:clrMapOvr>
+  <p:timing>
+    <p:tnLst>
+      <p:par>
+        <p:cTn id="1" dur="indefinite" restart="never" nodeType="tmRoot"/>
+      </p:par>
+    </p:tnLst>
+  </p:timing>
 </p:sld>
 </file>
 
@@ -19302,6 +17331,15 @@
 
 <file path=customXml/item1.xml><?xml version="1.0" encoding="utf-8"?>
 <?mso-contentType ?>
+<FormTemplates xmlns="http://schemas.microsoft.com/sharepoint/v3/contenttype/forms">
+  <Display>DocumentLibraryForm</Display>
+  <Edit>DocumentLibraryForm</Edit>
+  <New>DocumentLibraryForm</New>
+</FormTemplates>
+</file>
+
+<file path=customXml/item2.xml><?xml version="1.0" encoding="utf-8"?>
+<?mso-contentType ?>
 <spe:Receivers xmlns:spe="http://schemas.microsoft.com/sharepoint/events">
   <Receiver>
     <Name>Document ID Generator</Name>
@@ -19346,16 +17384,19 @@
 </spe:Receivers>
 </file>
 
-<file path=customXml/item2.xml><?xml version="1.0" encoding="utf-8"?>
-<?mso-contentType ?>
-<FormTemplates xmlns="http://schemas.microsoft.com/sharepoint/v3/contenttype/forms">
-  <Display>DocumentLibraryForm</Display>
-  <Edit>DocumentLibraryForm</Edit>
-  <New>DocumentLibraryForm</New>
-</FormTemplates>
+<file path=customXml/item3.xml><?xml version="1.0" encoding="utf-8"?>
+<p:properties xmlns:p="http://schemas.microsoft.com/office/2006/metadata/properties" xmlns:xsi="http://www.w3.org/2001/XMLSchema-instance" xmlns:pc="http://schemas.microsoft.com/office/infopath/2007/PartnerControls">
+  <documentManagement>
+    <_dlc_DocId xmlns="b51e7609-5b06-40a7-a4be-e5c8ed5bc5fe">C34HNKV52RCN-18-13866</_dlc_DocId>
+    <_dlc_DocIdUrl xmlns="b51e7609-5b06-40a7-a4be-e5c8ed5bc5fe">
+      <Url>https://cdp.epam.com/catalog/_layouts/15/DocIdRedir.aspx?ID=C34HNKV52RCN-18-13866</Url>
+      <Description>C34HNKV52RCN-18-13866</Description>
+    </_dlc_DocIdUrl>
+  </documentManagement>
+</p:properties>
 </file>
 
-<file path=customXml/item3.xml><?xml version="1.0" encoding="utf-8"?>
+<file path=customXml/item4.xml><?xml version="1.0" encoding="utf-8"?>
 <ct:contentTypeSchema xmlns:ct="http://schemas.microsoft.com/office/2006/metadata/contentType" xmlns:ma="http://schemas.microsoft.com/office/2006/metadata/properties/metaAttributes" ct:_="" ma:_="" ma:contentTypeName="Document" ma:contentTypeID="0x010100F62DDDE56B25884D874D72D626DED60D" ma:contentTypeVersion="1" ma:contentTypeDescription="Create a new document." ma:contentTypeScope="" ma:versionID="a4b11164e5a106cd72a628f69bcc8eeb">
   <xsd:schema xmlns:xsd="http://www.w3.org/2001/XMLSchema" xmlns:xs="http://www.w3.org/2001/XMLSchema" xmlns:p="http://schemas.microsoft.com/office/2006/metadata/properties" xmlns:ns2="b51e7609-5b06-40a7-a4be-e5c8ed5bc5fe" targetNamespace="http://schemas.microsoft.com/office/2006/metadata/properties" ma:root="true" ma:fieldsID="bfe32b79540cb92a287943cf18cc14f1" ns2:_="">
     <xsd:import namespace="b51e7609-5b06-40a7-a4be-e5c8ed5bc5fe"/>
@@ -19500,30 +17541,46 @@
 </ct:contentTypeSchema>
 </file>
 
-<file path=customXml/item4.xml><?xml version="1.0" encoding="utf-8"?>
-<p:properties xmlns:p="http://schemas.microsoft.com/office/2006/metadata/properties" xmlns:xsi="http://www.w3.org/2001/XMLSchema-instance" xmlns:pc="http://schemas.microsoft.com/office/infopath/2007/PartnerControls">
-  <documentManagement>
-    <_dlc_DocId xmlns="b51e7609-5b06-40a7-a4be-e5c8ed5bc5fe">C34HNKV52RCN-18-13866</_dlc_DocId>
-    <_dlc_DocIdUrl xmlns="b51e7609-5b06-40a7-a4be-e5c8ed5bc5fe">
-      <Url>https://cdp.epam.com/catalog/_layouts/15/DocIdRedir.aspx?ID=C34HNKV52RCN-18-13866</Url>
-      <Description>C34HNKV52RCN-18-13866</Description>
-    </_dlc_DocIdUrl>
-  </documentManagement>
-</p:properties>
-</file>
-
 <file path=customXml/itemProps1.xml><?xml version="1.0" encoding="utf-8"?>
-<ds:datastoreItem xmlns:ds="http://schemas.openxmlformats.org/officeDocument/2006/customXml" ds:itemID="{08BC7FFD-DC5B-4A13-9439-8E208D3F4CCB}"/>
+<ds:datastoreItem xmlns:ds="http://schemas.openxmlformats.org/officeDocument/2006/customXml" ds:itemID="{14883F0F-DE57-4ECA-B9BB-F22E8C5B5D82}">
+  <ds:schemaRefs>
+    <ds:schemaRef ds:uri="http://schemas.microsoft.com/sharepoint/v3/contenttype/forms"/>
+  </ds:schemaRefs>
+</ds:datastoreItem>
 </file>
 
 <file path=customXml/itemProps2.xml><?xml version="1.0" encoding="utf-8"?>
-<ds:datastoreItem xmlns:ds="http://schemas.openxmlformats.org/officeDocument/2006/customXml" ds:itemID="{14883F0F-DE57-4ECA-B9BB-F22E8C5B5D82}"/>
+<ds:datastoreItem xmlns:ds="http://schemas.openxmlformats.org/officeDocument/2006/customXml" ds:itemID="{08BC7FFD-DC5B-4A13-9439-8E208D3F4CCB}">
+  <ds:schemaRefs>
+    <ds:schemaRef ds:uri="http://schemas.microsoft.com/sharepoint/events"/>
+  </ds:schemaRefs>
+</ds:datastoreItem>
 </file>
 
 <file path=customXml/itemProps3.xml><?xml version="1.0" encoding="utf-8"?>
-<ds:datastoreItem xmlns:ds="http://schemas.openxmlformats.org/officeDocument/2006/customXml" ds:itemID="{97E67518-6800-4EA7-BFEB-641ABB1ABB59}"/>
+<ds:datastoreItem xmlns:ds="http://schemas.openxmlformats.org/officeDocument/2006/customXml" ds:itemID="{D5E3C081-4081-47AD-A9A6-9F18F525DA1D}">
+  <ds:schemaRefs>
+    <ds:schemaRef ds:uri="http://schemas.microsoft.com/office/2006/metadata/properties"/>
+    <ds:schemaRef ds:uri="http://schemas.microsoft.com/office/infopath/2007/PartnerControls"/>
+    <ds:schemaRef ds:uri="b51e7609-5b06-40a7-a4be-e5c8ed5bc5fe"/>
+  </ds:schemaRefs>
+</ds:datastoreItem>
 </file>
 
 <file path=customXml/itemProps4.xml><?xml version="1.0" encoding="utf-8"?>
-<ds:datastoreItem xmlns:ds="http://schemas.openxmlformats.org/officeDocument/2006/customXml" ds:itemID="{D5E3C081-4081-47AD-A9A6-9F18F525DA1D}"/>
+<ds:datastoreItem xmlns:ds="http://schemas.openxmlformats.org/officeDocument/2006/customXml" ds:itemID="{97E67518-6800-4EA7-BFEB-641ABB1ABB59}">
+  <ds:schemaRefs>
+    <ds:schemaRef ds:uri="http://schemas.microsoft.com/office/2006/metadata/contentType"/>
+    <ds:schemaRef ds:uri="http://schemas.microsoft.com/office/2006/metadata/properties/metaAttributes"/>
+    <ds:schemaRef ds:uri="http://www.w3.org/2001/XMLSchema"/>
+    <ds:schemaRef ds:uri="http://schemas.microsoft.com/office/2006/metadata/properties"/>
+    <ds:schemaRef ds:uri="b51e7609-5b06-40a7-a4be-e5c8ed5bc5fe"/>
+    <ds:schemaRef ds:uri="http://schemas.microsoft.com/office/2006/documentManagement/types"/>
+    <ds:schemaRef ds:uri="http://schemas.microsoft.com/office/infopath/2007/PartnerControls"/>
+    <ds:schemaRef ds:uri="http://schemas.openxmlformats.org/package/2006/metadata/core-properties"/>
+    <ds:schemaRef ds:uri="http://purl.org/dc/elements/1.1/"/>
+    <ds:schemaRef ds:uri="http://purl.org/dc/terms/"/>
+    <ds:schemaRef ds:uri="http://schemas.microsoft.com/internal/obd"/>
+  </ds:schemaRefs>
+</ds:datastoreItem>
 </file>
--- a/LoggingLecture/presentation/Logging.pptx
+++ b/LoggingLecture/presentation/Logging.pptx
@@ -1575,6 +1575,68 @@
         <p:txBody>
           <a:bodyPr/>
           <a:lstStyle/>
+          <a:p>
+            <a:pPr marL="0" marR="0" indent="0" algn="l" defTabSz="914400" rtl="0" eaLnBrk="1" fontAlgn="auto" latinLnBrk="0" hangingPunct="1">
+              <a:lnSpc>
+                <a:spcPct val="100000"/>
+              </a:lnSpc>
+              <a:spcBef>
+                <a:spcPts val="0"/>
+              </a:spcBef>
+              <a:spcAft>
+                <a:spcPts val="0"/>
+              </a:spcAft>
+              <a:buClrTx/>
+              <a:buSzTx/>
+              <a:buFontTx/>
+              <a:buNone/>
+              <a:tabLst/>
+              <a:defRPr/>
+            </a:pPr>
+            <a:r>
+              <a:rPr lang="ru-RU" dirty="0" smtClean="0"/>
+              <a:t>Сколько</a:t>
+            </a:r>
+            <a:r>
+              <a:rPr lang="ru-RU" baseline="0" dirty="0" smtClean="0"/>
+              <a:t> времени хранить </a:t>
+            </a:r>
+            <a:r>
+              <a:rPr lang="ru-RU" baseline="0" dirty="0" err="1" smtClean="0"/>
+              <a:t>логи</a:t>
+            </a:r>
+            <a:r>
+              <a:rPr lang="ru-RU" baseline="0" dirty="0" smtClean="0"/>
+              <a:t>?</a:t>
+            </a:r>
+          </a:p>
+          <a:p>
+            <a:pPr marL="0" marR="0" indent="0" algn="l" defTabSz="914400" rtl="0" eaLnBrk="1" fontAlgn="auto" latinLnBrk="0" hangingPunct="1">
+              <a:lnSpc>
+                <a:spcPct val="100000"/>
+              </a:lnSpc>
+              <a:spcBef>
+                <a:spcPts val="0"/>
+              </a:spcBef>
+              <a:spcAft>
+                <a:spcPts val="0"/>
+              </a:spcAft>
+              <a:buClrTx/>
+              <a:buSzTx/>
+              <a:buFontTx/>
+              <a:buNone/>
+              <a:tabLst/>
+              <a:defRPr/>
+            </a:pPr>
+            <a:r>
+              <a:rPr lang="ru-RU" baseline="0" dirty="0" smtClean="0"/>
+              <a:t>Какое время отведено на гарантированный </a:t>
+            </a:r>
+            <a:r>
+              <a:rPr lang="ru-RU" baseline="0" smtClean="0"/>
+              <a:t>фикс инцидента?</a:t>
+            </a:r>
+          </a:p>
           <a:p>
             <a:pPr marL="0" marR="0" indent="0" algn="l" defTabSz="914400" rtl="0" eaLnBrk="1" fontAlgn="auto" latinLnBrk="0" hangingPunct="1">
               <a:lnSpc>
